--- a/src/assets/2024-NASA-Space-Apps-Challenge.pptx
+++ b/src/assets/2024-NASA-Space-Apps-Challenge.pptx
@@ -5,7 +5,7 @@
     <p:sldMasterId id="2147483648" r:id="rId4"/>
   </p:sldMasterIdLst>
   <p:notesMasterIdLst>
-    <p:notesMasterId r:id="rId13"/>
+    <p:notesMasterId r:id="rId12"/>
   </p:notesMasterIdLst>
   <p:sldIdLst>
     <p:sldId id="256" r:id="rId5"/>
@@ -15,25 +15,24 @@
     <p:sldId id="261" r:id="rId9"/>
     <p:sldId id="262" r:id="rId10"/>
     <p:sldId id="263" r:id="rId11"/>
-    <p:sldId id="265" r:id="rId12"/>
   </p:sldIdLst>
   <p:sldSz cx="14630400" cy="8229600"/>
   <p:notesSz cx="8229600" cy="14630400"/>
   <p:embeddedFontLst>
     <p:embeddedFont>
       <p:font typeface="Tenorite Display" panose="00000500000000000000" pitchFamily="2" charset="0"/>
-      <p:regular r:id="rId14"/>
-      <p:bold r:id="rId15"/>
-      <p:italic r:id="rId16"/>
-      <p:boldItalic r:id="rId17"/>
+      <p:regular r:id="rId13"/>
+      <p:bold r:id="rId14"/>
+      <p:italic r:id="rId15"/>
+      <p:boldItalic r:id="rId16"/>
     </p:embeddedFont>
     <p:embeddedFont>
       <p:font typeface="Tomorrow" panose="020B0604020202020204" charset="0"/>
-      <p:regular r:id="rId18"/>
+      <p:regular r:id="rId17"/>
     </p:embeddedFont>
     <p:embeddedFont>
       <p:font typeface="Tomorrow Semi Bold" panose="020B0604020202020204" charset="0"/>
-      <p:regular r:id="rId19"/>
+      <p:regular r:id="rId18"/>
     </p:embeddedFont>
   </p:embeddedFontLst>
   <p:defaultTextStyle>
@@ -843,90 +842,6 @@
     <p:extLst>
       <p:ext uri="{BB962C8B-B14F-4D97-AF65-F5344CB8AC3E}">
         <p14:creationId xmlns:p14="http://schemas.microsoft.com/office/powerpoint/2010/main" val="1024086991"/>
-      </p:ext>
-    </p:extLst>
-  </p:cSld>
-  <p:clrMapOvr>
-    <a:masterClrMapping/>
-  </p:clrMapOvr>
-</p:notes>
-</file>
-
-<file path=ppt/notesSlides/notesSlide8.xml><?xml version="1.0" encoding="utf-8"?>
-<p:notes xmlns:a="http://schemas.openxmlformats.org/drawingml/2006/main" xmlns:r="http://schemas.openxmlformats.org/officeDocument/2006/relationships" xmlns:p="http://schemas.openxmlformats.org/presentationml/2006/main">
-  <p:cSld>
-    <p:spTree>
-      <p:nvGrpSpPr>
-        <p:cNvPr id="1" name=""/>
-        <p:cNvGrpSpPr/>
-        <p:nvPr/>
-      </p:nvGrpSpPr>
-      <p:grpSpPr>
-        <a:xfrm>
-          <a:off x="0" y="0"/>
-          <a:ext cx="0" cy="0"/>
-          <a:chOff x="0" y="0"/>
-          <a:chExt cx="0" cy="0"/>
-        </a:xfrm>
-      </p:grpSpPr>
-      <p:sp>
-        <p:nvSpPr>
-          <p:cNvPr id="2" name="Slide Image Placeholder 1"/>
-          <p:cNvSpPr>
-            <a:spLocks noGrp="1" noRot="1" noChangeAspect="1"/>
-          </p:cNvSpPr>
-          <p:nvPr>
-            <p:ph type="sldImg"/>
-          </p:nvPr>
-        </p:nvSpPr>
-        <p:spPr/>
-      </p:sp>
-      <p:sp>
-        <p:nvSpPr>
-          <p:cNvPr id="3" name="Notes Placeholder 2"/>
-          <p:cNvSpPr>
-            <a:spLocks noGrp="1"/>
-          </p:cNvSpPr>
-          <p:nvPr>
-            <p:ph type="body" idx="1"/>
-          </p:nvPr>
-        </p:nvSpPr>
-        <p:spPr/>
-        <p:txBody>
-          <a:bodyPr/>
-          <a:lstStyle/>
-          <a:p>
-            <a:endParaRPr lang="en-US" dirty="0"/>
-          </a:p>
-        </p:txBody>
-      </p:sp>
-      <p:sp>
-        <p:nvSpPr>
-          <p:cNvPr id="4" name="Slide Number Placeholder 3"/>
-          <p:cNvSpPr>
-            <a:spLocks noGrp="1"/>
-          </p:cNvSpPr>
-          <p:nvPr>
-            <p:ph type="sldNum" sz="quarter" idx="10"/>
-          </p:nvPr>
-        </p:nvSpPr>
-        <p:spPr/>
-        <p:txBody>
-          <a:bodyPr/>
-          <a:lstStyle/>
-          <a:p>
-            <a:fld id="{F7021451-1387-4CA6-816F-3879F97B5CBC}" type="slidenum">
-              <a:rPr lang="en-US"/>
-              <a:t>8</a:t>
-            </a:fld>
-            <a:endParaRPr lang="en-US"/>
-          </a:p>
-        </p:txBody>
-      </p:sp>
-    </p:spTree>
-    <p:extLst>
-      <p:ext uri="{BB962C8B-B14F-4D97-AF65-F5344CB8AC3E}">
-        <p14:creationId xmlns:p14="http://schemas.microsoft.com/office/powerpoint/2010/main" val="3582626429"/>
       </p:ext>
     </p:extLst>
   </p:cSld>
@@ -2413,59 +2328,6 @@
               <a:cs typeface="Tomorrow" pitchFamily="34" charset="-120"/>
             </a:endParaRPr>
           </a:p>
-          <a:p>
-            <a:pPr marL="0" indent="0" algn="ctr">
-              <a:lnSpc>
-                <a:spcPts val="3100"/>
-              </a:lnSpc>
-              <a:buNone/>
-            </a:pPr>
-            <a:r>
-              <a:rPr lang="en-US" sz="2000" b="1" dirty="0" err="1">
-                <a:solidFill>
-                  <a:schemeClr val="tx1">
-                    <a:lumMod val="95000"/>
-                    <a:lumOff val="5000"/>
-                  </a:schemeClr>
-                </a:solidFill>
-                <a:latin typeface="Tenorite Display" panose="00000500000000000000" pitchFamily="2" charset="0"/>
-              </a:rPr>
-              <a:t>Noha</a:t>
-            </a:r>
-            <a:r>
-              <a:rPr lang="en-US" sz="2000" b="1" dirty="0">
-                <a:solidFill>
-                  <a:schemeClr val="tx1">
-                    <a:lumMod val="95000"/>
-                    <a:lumOff val="5000"/>
-                  </a:schemeClr>
-                </a:solidFill>
-                <a:latin typeface="Tenorite Display" panose="00000500000000000000" pitchFamily="2" charset="0"/>
-              </a:rPr>
-              <a:t> Khalil </a:t>
-            </a:r>
-            <a:r>
-              <a:rPr lang="en-US" sz="2000" b="1" dirty="0" err="1">
-                <a:solidFill>
-                  <a:schemeClr val="tx1">
-                    <a:lumMod val="95000"/>
-                    <a:lumOff val="5000"/>
-                  </a:schemeClr>
-                </a:solidFill>
-                <a:latin typeface="Tenorite Display" panose="00000500000000000000" pitchFamily="2" charset="0"/>
-              </a:rPr>
-              <a:t>Abdulkarim</a:t>
-            </a:r>
-            <a:endParaRPr lang="en-US" sz="2000" b="1" dirty="0">
-              <a:solidFill>
-                <a:schemeClr val="tx1">
-                  <a:lumMod val="95000"/>
-                  <a:lumOff val="5000"/>
-                </a:schemeClr>
-              </a:solidFill>
-              <a:latin typeface="Tenorite Display" panose="00000500000000000000" pitchFamily="2" charset="0"/>
-            </a:endParaRPr>
-          </a:p>
         </p:txBody>
       </p:sp>
       <p:sp>
@@ -3646,7 +3508,7 @@
               <a:buNone/>
             </a:pPr>
             <a:r>
-              <a:rPr lang="en-US" sz="3800" b="1" dirty="0">
+              <a:rPr lang="en-US" sz="4400" b="1" dirty="0">
                 <a:solidFill>
                   <a:srgbClr val="1D1D1B"/>
                 </a:solidFill>
@@ -3656,7 +3518,7 @@
               </a:rPr>
               <a:t>Our Approach</a:t>
             </a:r>
-            <a:endParaRPr lang="en-US" sz="3800" b="1" dirty="0">
+            <a:endParaRPr lang="en-US" sz="4400" b="1" dirty="0">
               <a:latin typeface="Tenorite Display" panose="00000500000000000000" pitchFamily="2" charset="0"/>
             </a:endParaRPr>
           </a:p>
@@ -3690,7 +3552,7 @@
               <a:buNone/>
             </a:pPr>
             <a:r>
-              <a:rPr lang="en-US" sz="1500" b="1" dirty="0">
+              <a:rPr lang="en-US" b="1" dirty="0">
                 <a:solidFill>
                   <a:srgbClr val="61615C"/>
                 </a:solidFill>
@@ -3700,7 +3562,7 @@
               </a:rPr>
               <a:t>Interactive learning through hands-on activities.</a:t>
             </a:r>
-            <a:endParaRPr lang="en-US" sz="1500" b="1" dirty="0">
+            <a:endParaRPr lang="en-US" b="1" dirty="0">
               <a:latin typeface="Tenorite Display" panose="00000500000000000000" pitchFamily="2" charset="0"/>
             </a:endParaRPr>
           </a:p>
@@ -3734,7 +3596,7 @@
               <a:buNone/>
             </a:pPr>
             <a:r>
-              <a:rPr lang="en-US" sz="1500" b="1" dirty="0">
+              <a:rPr lang="en-US" b="1" dirty="0">
                 <a:solidFill>
                   <a:srgbClr val="61615C"/>
                 </a:solidFill>
@@ -3744,7 +3606,7 @@
               </a:rPr>
               <a:t>Leveraging Earth observation data for impactful lesson plans.</a:t>
             </a:r>
-            <a:endParaRPr lang="en-US" sz="1500" b="1" dirty="0">
+            <a:endParaRPr lang="en-US" b="1" dirty="0">
               <a:latin typeface="Tenorite Display" panose="00000500000000000000" pitchFamily="2" charset="0"/>
             </a:endParaRPr>
           </a:p>
@@ -3775,7 +3637,7 @@
           <a:bodyPr/>
           <a:lstStyle/>
           <a:p>
-            <a:endParaRPr lang="en-US" b="1">
+            <a:endParaRPr lang="en-US" sz="2400" b="1">
               <a:latin typeface="Tenorite Display" panose="00000500000000000000" pitchFamily="2" charset="0"/>
             </a:endParaRPr>
           </a:p>
@@ -3806,7 +3668,7 @@
           <a:bodyPr/>
           <a:lstStyle/>
           <a:p>
-            <a:endParaRPr lang="en-US" b="1">
+            <a:endParaRPr lang="en-US" sz="2400" b="1">
               <a:latin typeface="Tenorite Display" panose="00000500000000000000" pitchFamily="2" charset="0"/>
             </a:endParaRPr>
           </a:p>
@@ -3837,7 +3699,7 @@
           <a:bodyPr/>
           <a:lstStyle/>
           <a:p>
-            <a:endParaRPr lang="en-US" b="1">
+            <a:endParaRPr lang="en-US" sz="2400" b="1">
               <a:latin typeface="Tenorite Display" panose="00000500000000000000" pitchFamily="2" charset="0"/>
             </a:endParaRPr>
           </a:p>
@@ -3871,7 +3733,7 @@
               <a:buNone/>
             </a:pPr>
             <a:r>
-              <a:rPr lang="en-US" sz="2250" b="1" dirty="0">
+              <a:rPr lang="en-US" sz="2800" b="1" dirty="0">
                 <a:solidFill>
                   <a:srgbClr val="61615C"/>
                 </a:solidFill>
@@ -3881,7 +3743,7 @@
               </a:rPr>
               <a:t>1</a:t>
             </a:r>
-            <a:endParaRPr lang="en-US" sz="2250" b="1" dirty="0">
+            <a:endParaRPr lang="en-US" sz="2800" b="1" dirty="0">
               <a:latin typeface="Tenorite Display" panose="00000500000000000000" pitchFamily="2" charset="0"/>
             </a:endParaRPr>
           </a:p>
@@ -3915,7 +3777,154 @@
               <a:buNone/>
             </a:pPr>
             <a:r>
-              <a:rPr lang="en-US" sz="1900" b="1" dirty="0">
+              <a:rPr lang="en-US" sz="2800" b="1" dirty="0">
+                <a:latin typeface="Tenorite Display" panose="00000500000000000000" pitchFamily="2" charset="0"/>
+                <a:ea typeface="Tomorrow Semi Bold" pitchFamily="34" charset="-122"/>
+                <a:cs typeface="Tomorrow Semi Bold" pitchFamily="34" charset="-120"/>
+              </a:rPr>
+              <a:t>Problem Identification</a:t>
+            </a:r>
+            <a:endParaRPr lang="en-US" sz="2800" b="1" dirty="0">
+              <a:latin typeface="Tenorite Display" panose="00000500000000000000" pitchFamily="2" charset="0"/>
+            </a:endParaRPr>
+          </a:p>
+        </p:txBody>
+      </p:sp>
+      <p:sp>
+        <p:nvSpPr>
+          <p:cNvPr id="10" name="Text 8"/>
+          <p:cNvSpPr/>
+          <p:nvPr/>
+        </p:nvSpPr>
+        <p:spPr>
+          <a:xfrm>
+            <a:off x="676513" y="3186708"/>
+            <a:ext cx="5575578" cy="309324"/>
+          </a:xfrm>
+          <a:prstGeom prst="rect">
+            <a:avLst/>
+          </a:prstGeom>
+          <a:noFill/>
+          <a:ln/>
+        </p:spPr>
+        <p:txBody>
+          <a:bodyPr wrap="none" lIns="0" tIns="0" rIns="0" bIns="0" rtlCol="0" anchor="t"/>
+          <a:lstStyle/>
+          <a:p>
+            <a:pPr marL="0" indent="0" algn="r">
+              <a:lnSpc>
+                <a:spcPts val="2400"/>
+              </a:lnSpc>
+              <a:buNone/>
+            </a:pPr>
+            <a:r>
+              <a:rPr lang="en-US" b="1" dirty="0">
+                <a:solidFill>
+                  <a:srgbClr val="61615C"/>
+                </a:solidFill>
+                <a:latin typeface="Tenorite Display" panose="00000500000000000000" pitchFamily="2" charset="0"/>
+                <a:ea typeface="Tomorrow" pitchFamily="34" charset="-122"/>
+                <a:cs typeface="Tomorrow" pitchFamily="34" charset="-120"/>
+              </a:rPr>
+              <a:t>Define an SDG to address</a:t>
+            </a:r>
+            <a:endParaRPr lang="en-US" b="1" dirty="0">
+              <a:latin typeface="Tenorite Display" panose="00000500000000000000" pitchFamily="2" charset="0"/>
+            </a:endParaRPr>
+          </a:p>
+        </p:txBody>
+      </p:sp>
+      <p:sp>
+        <p:nvSpPr>
+          <p:cNvPr id="11" name="Shape 9"/>
+          <p:cNvSpPr/>
+          <p:nvPr/>
+        </p:nvSpPr>
+        <p:spPr>
+          <a:xfrm>
+            <a:off x="7509748" y="3965377"/>
+            <a:ext cx="676513" cy="22860"/>
+          </a:xfrm>
+          <a:prstGeom prst="roundRect">
+            <a:avLst>
+              <a:gd name="adj" fmla="val 126839"/>
+            </a:avLst>
+          </a:prstGeom>
+          <a:solidFill>
+            <a:srgbClr val="D6D0D0"/>
+          </a:solidFill>
+          <a:ln/>
+        </p:spPr>
+        <p:txBody>
+          <a:bodyPr/>
+          <a:lstStyle/>
+          <a:p>
+            <a:endParaRPr lang="en-US" sz="2400" b="1">
+              <a:latin typeface="Tenorite Display" panose="00000500000000000000" pitchFamily="2" charset="0"/>
+            </a:endParaRPr>
+          </a:p>
+        </p:txBody>
+      </p:sp>
+      <p:sp>
+        <p:nvSpPr>
+          <p:cNvPr id="12" name="Shape 10"/>
+          <p:cNvSpPr/>
+          <p:nvPr/>
+        </p:nvSpPr>
+        <p:spPr>
+          <a:xfrm>
+            <a:off x="7097792" y="3759398"/>
+            <a:ext cx="434816" cy="434816"/>
+          </a:xfrm>
+          <a:prstGeom prst="roundRect">
+            <a:avLst>
+              <a:gd name="adj" fmla="val 6668"/>
+            </a:avLst>
+          </a:prstGeom>
+          <a:solidFill>
+            <a:srgbClr val="F0EAEA"/>
+          </a:solidFill>
+          <a:ln/>
+        </p:spPr>
+        <p:txBody>
+          <a:bodyPr/>
+          <a:lstStyle/>
+          <a:p>
+            <a:endParaRPr lang="en-US" sz="2400" b="1">
+              <a:latin typeface="Tenorite Display" panose="00000500000000000000" pitchFamily="2" charset="0"/>
+            </a:endParaRPr>
+          </a:p>
+        </p:txBody>
+      </p:sp>
+      <p:sp>
+        <p:nvSpPr>
+          <p:cNvPr id="13" name="Text 11"/>
+          <p:cNvSpPr/>
+          <p:nvPr/>
+        </p:nvSpPr>
+        <p:spPr>
+          <a:xfrm>
+            <a:off x="7217688" y="3831788"/>
+            <a:ext cx="194905" cy="289917"/>
+          </a:xfrm>
+          <a:prstGeom prst="rect">
+            <a:avLst/>
+          </a:prstGeom>
+          <a:noFill/>
+          <a:ln/>
+        </p:spPr>
+        <p:txBody>
+          <a:bodyPr wrap="none" lIns="0" tIns="0" rIns="0" bIns="0" rtlCol="0" anchor="t"/>
+          <a:lstStyle/>
+          <a:p>
+            <a:pPr marL="0" indent="0" algn="ctr">
+              <a:lnSpc>
+                <a:spcPts val="2250"/>
+              </a:lnSpc>
+              <a:buNone/>
+            </a:pPr>
+            <a:r>
+              <a:rPr lang="en-US" sz="2800" b="1" dirty="0">
                 <a:solidFill>
                   <a:srgbClr val="61615C"/>
                 </a:solidFill>
@@ -3923,23 +3932,255 @@
                 <a:ea typeface="Tomorrow Semi Bold" pitchFamily="34" charset="-122"/>
                 <a:cs typeface="Tomorrow Semi Bold" pitchFamily="34" charset="-120"/>
               </a:rPr>
-              <a:t>Problem Identification</a:t>
-            </a:r>
-            <a:endParaRPr lang="en-US" sz="1900" b="1" dirty="0">
-              <a:latin typeface="Tenorite Display" panose="00000500000000000000" pitchFamily="2" charset="0"/>
-            </a:endParaRPr>
-          </a:p>
-        </p:txBody>
-      </p:sp>
-      <p:sp>
-        <p:nvSpPr>
-          <p:cNvPr id="10" name="Text 8"/>
-          <p:cNvSpPr/>
-          <p:nvPr/>
-        </p:nvSpPr>
-        <p:spPr>
-          <a:xfrm>
-            <a:off x="676513" y="3186708"/>
+              <a:t>2</a:t>
+            </a:r>
+            <a:endParaRPr lang="en-US" sz="2800" b="1" dirty="0">
+              <a:latin typeface="Tenorite Display" panose="00000500000000000000" pitchFamily="2" charset="0"/>
+            </a:endParaRPr>
+          </a:p>
+        </p:txBody>
+      </p:sp>
+      <p:sp>
+        <p:nvSpPr>
+          <p:cNvPr id="14" name="Text 12"/>
+          <p:cNvSpPr/>
+          <p:nvPr/>
+        </p:nvSpPr>
+        <p:spPr>
+          <a:xfrm>
+            <a:off x="8378309" y="3735229"/>
+            <a:ext cx="2416254" cy="301943"/>
+          </a:xfrm>
+          <a:prstGeom prst="rect">
+            <a:avLst/>
+          </a:prstGeom>
+          <a:noFill/>
+          <a:ln/>
+        </p:spPr>
+        <p:txBody>
+          <a:bodyPr wrap="none" lIns="0" tIns="0" rIns="0" bIns="0" rtlCol="0" anchor="t"/>
+          <a:lstStyle/>
+          <a:p>
+            <a:pPr marL="0" indent="0" algn="l">
+              <a:lnSpc>
+                <a:spcPts val="2350"/>
+              </a:lnSpc>
+              <a:buNone/>
+            </a:pPr>
+            <a:r>
+              <a:rPr lang="en-US" sz="2800" b="1" dirty="0">
+                <a:latin typeface="Tenorite Display" panose="00000500000000000000" pitchFamily="2" charset="0"/>
+                <a:ea typeface="Tomorrow Semi Bold" pitchFamily="34" charset="-122"/>
+                <a:cs typeface="Tomorrow Semi Bold" pitchFamily="34" charset="-120"/>
+              </a:rPr>
+              <a:t>Data Acquisition</a:t>
+            </a:r>
+            <a:endParaRPr lang="en-US" sz="2800" b="1" dirty="0">
+              <a:latin typeface="Tenorite Display" panose="00000500000000000000" pitchFamily="2" charset="0"/>
+            </a:endParaRPr>
+          </a:p>
+        </p:txBody>
+      </p:sp>
+      <p:sp>
+        <p:nvSpPr>
+          <p:cNvPr id="15" name="Text 13"/>
+          <p:cNvSpPr/>
+          <p:nvPr/>
+        </p:nvSpPr>
+        <p:spPr>
+          <a:xfrm>
+            <a:off x="8378309" y="4153138"/>
+            <a:ext cx="5575578" cy="309324"/>
+          </a:xfrm>
+          <a:prstGeom prst="rect">
+            <a:avLst/>
+          </a:prstGeom>
+          <a:noFill/>
+          <a:ln/>
+        </p:spPr>
+        <p:txBody>
+          <a:bodyPr wrap="none" lIns="0" tIns="0" rIns="0" bIns="0" rtlCol="0" anchor="t"/>
+          <a:lstStyle/>
+          <a:p>
+            <a:pPr marL="0" indent="0" algn="l">
+              <a:lnSpc>
+                <a:spcPts val="2400"/>
+              </a:lnSpc>
+              <a:buNone/>
+            </a:pPr>
+            <a:r>
+              <a:rPr lang="en-US" b="1" dirty="0">
+                <a:solidFill>
+                  <a:srgbClr val="61615C"/>
+                </a:solidFill>
+                <a:latin typeface="Tenorite Display" panose="00000500000000000000" pitchFamily="2" charset="0"/>
+                <a:ea typeface="Tomorrow" pitchFamily="34" charset="-122"/>
+                <a:cs typeface="Tomorrow" pitchFamily="34" charset="-120"/>
+              </a:rPr>
+              <a:t>Retrieve NASA Earth observation data</a:t>
+            </a:r>
+            <a:endParaRPr lang="en-US" b="1" dirty="0">
+              <a:latin typeface="Tenorite Display" panose="00000500000000000000" pitchFamily="2" charset="0"/>
+            </a:endParaRPr>
+          </a:p>
+        </p:txBody>
+      </p:sp>
+      <p:sp>
+        <p:nvSpPr>
+          <p:cNvPr id="16" name="Shape 14"/>
+          <p:cNvSpPr/>
+          <p:nvPr/>
+        </p:nvSpPr>
+        <p:spPr>
+          <a:xfrm>
+            <a:off x="6444139" y="4835128"/>
+            <a:ext cx="676513" cy="22860"/>
+          </a:xfrm>
+          <a:prstGeom prst="roundRect">
+            <a:avLst>
+              <a:gd name="adj" fmla="val 126839"/>
+            </a:avLst>
+          </a:prstGeom>
+          <a:solidFill>
+            <a:srgbClr val="D6D0D0"/>
+          </a:solidFill>
+          <a:ln/>
+        </p:spPr>
+        <p:txBody>
+          <a:bodyPr/>
+          <a:lstStyle/>
+          <a:p>
+            <a:endParaRPr lang="en-US" sz="2400" b="1">
+              <a:latin typeface="Tenorite Display" panose="00000500000000000000" pitchFamily="2" charset="0"/>
+            </a:endParaRPr>
+          </a:p>
+        </p:txBody>
+      </p:sp>
+      <p:sp>
+        <p:nvSpPr>
+          <p:cNvPr id="17" name="Shape 15"/>
+          <p:cNvSpPr/>
+          <p:nvPr/>
+        </p:nvSpPr>
+        <p:spPr>
+          <a:xfrm>
+            <a:off x="7097792" y="4629150"/>
+            <a:ext cx="434816" cy="434816"/>
+          </a:xfrm>
+          <a:prstGeom prst="roundRect">
+            <a:avLst>
+              <a:gd name="adj" fmla="val 6668"/>
+            </a:avLst>
+          </a:prstGeom>
+          <a:solidFill>
+            <a:srgbClr val="F0EAEA"/>
+          </a:solidFill>
+          <a:ln/>
+        </p:spPr>
+        <p:txBody>
+          <a:bodyPr/>
+          <a:lstStyle/>
+          <a:p>
+            <a:endParaRPr lang="en-US" sz="2400" b="1">
+              <a:latin typeface="Tenorite Display" panose="00000500000000000000" pitchFamily="2" charset="0"/>
+            </a:endParaRPr>
+          </a:p>
+        </p:txBody>
+      </p:sp>
+      <p:sp>
+        <p:nvSpPr>
+          <p:cNvPr id="18" name="Text 16"/>
+          <p:cNvSpPr/>
+          <p:nvPr/>
+        </p:nvSpPr>
+        <p:spPr>
+          <a:xfrm>
+            <a:off x="7218283" y="4701540"/>
+            <a:ext cx="193715" cy="289917"/>
+          </a:xfrm>
+          <a:prstGeom prst="rect">
+            <a:avLst/>
+          </a:prstGeom>
+          <a:noFill/>
+          <a:ln/>
+        </p:spPr>
+        <p:txBody>
+          <a:bodyPr wrap="none" lIns="0" tIns="0" rIns="0" bIns="0" rtlCol="0" anchor="t"/>
+          <a:lstStyle/>
+          <a:p>
+            <a:pPr marL="0" indent="0" algn="ctr">
+              <a:lnSpc>
+                <a:spcPts val="2250"/>
+              </a:lnSpc>
+              <a:buNone/>
+            </a:pPr>
+            <a:r>
+              <a:rPr lang="en-US" sz="2800" b="1" dirty="0">
+                <a:solidFill>
+                  <a:srgbClr val="61615C"/>
+                </a:solidFill>
+                <a:latin typeface="Tenorite Display" panose="00000500000000000000" pitchFamily="2" charset="0"/>
+                <a:ea typeface="Tomorrow Semi Bold" pitchFamily="34" charset="-122"/>
+                <a:cs typeface="Tomorrow Semi Bold" pitchFamily="34" charset="-120"/>
+              </a:rPr>
+              <a:t>3</a:t>
+            </a:r>
+            <a:endParaRPr lang="en-US" sz="2800" b="1" dirty="0">
+              <a:latin typeface="Tenorite Display" panose="00000500000000000000" pitchFamily="2" charset="0"/>
+            </a:endParaRPr>
+          </a:p>
+        </p:txBody>
+      </p:sp>
+      <p:sp>
+        <p:nvSpPr>
+          <p:cNvPr id="19" name="Text 17"/>
+          <p:cNvSpPr/>
+          <p:nvPr/>
+        </p:nvSpPr>
+        <p:spPr>
+          <a:xfrm>
+            <a:off x="3671054" y="4604980"/>
+            <a:ext cx="2581037" cy="301943"/>
+          </a:xfrm>
+          <a:prstGeom prst="rect">
+            <a:avLst/>
+          </a:prstGeom>
+          <a:noFill/>
+          <a:ln/>
+        </p:spPr>
+        <p:txBody>
+          <a:bodyPr wrap="none" lIns="0" tIns="0" rIns="0" bIns="0" rtlCol="0" anchor="t"/>
+          <a:lstStyle/>
+          <a:p>
+            <a:pPr marL="0" indent="0" algn="r">
+              <a:lnSpc>
+                <a:spcPts val="2350"/>
+              </a:lnSpc>
+              <a:buNone/>
+            </a:pPr>
+            <a:r>
+              <a:rPr lang="en-US" sz="2800" b="1" dirty="0">
+                <a:latin typeface="Tenorite Display" panose="00000500000000000000" pitchFamily="2" charset="0"/>
+                <a:ea typeface="Tomorrow Semi Bold" pitchFamily="34" charset="-122"/>
+                <a:cs typeface="Tomorrow Semi Bold" pitchFamily="34" charset="-120"/>
+              </a:rPr>
+              <a:t>Lesson Development</a:t>
+            </a:r>
+            <a:endParaRPr lang="en-US" sz="2800" b="1" dirty="0">
+              <a:latin typeface="Tenorite Display" panose="00000500000000000000" pitchFamily="2" charset="0"/>
+            </a:endParaRPr>
+          </a:p>
+        </p:txBody>
+      </p:sp>
+      <p:sp>
+        <p:nvSpPr>
+          <p:cNvPr id="20" name="Text 18"/>
+          <p:cNvSpPr/>
+          <p:nvPr/>
+        </p:nvSpPr>
+        <p:spPr>
+          <a:xfrm>
+            <a:off x="676513" y="5022890"/>
             <a:ext cx="5575578" cy="309324"/>
           </a:xfrm>
           <a:prstGeom prst="rect">
@@ -3959,7 +4200,7 @@
               <a:buNone/>
             </a:pPr>
             <a:r>
-              <a:rPr lang="en-US" sz="1500" b="1" dirty="0">
+              <a:rPr lang="en-US" b="1" dirty="0">
                 <a:solidFill>
                   <a:srgbClr val="61615C"/>
                 </a:solidFill>
@@ -3967,23 +4208,23 @@
                 <a:ea typeface="Tomorrow" pitchFamily="34" charset="-122"/>
                 <a:cs typeface="Tomorrow" pitchFamily="34" charset="-120"/>
               </a:rPr>
-              <a:t>Define an SDG to address</a:t>
-            </a:r>
-            <a:endParaRPr lang="en-US" sz="1500" b="1" dirty="0">
-              <a:latin typeface="Tenorite Display" panose="00000500000000000000" pitchFamily="2" charset="0"/>
-            </a:endParaRPr>
-          </a:p>
-        </p:txBody>
-      </p:sp>
-      <p:sp>
-        <p:nvSpPr>
-          <p:cNvPr id="11" name="Shape 9"/>
-          <p:cNvSpPr/>
-          <p:nvPr/>
-        </p:nvSpPr>
-        <p:spPr>
-          <a:xfrm>
-            <a:off x="7509748" y="3965377"/>
+              <a:t>Design engaging activities and simulations</a:t>
+            </a:r>
+            <a:endParaRPr lang="en-US" b="1" dirty="0">
+              <a:latin typeface="Tenorite Display" panose="00000500000000000000" pitchFamily="2" charset="0"/>
+            </a:endParaRPr>
+          </a:p>
+        </p:txBody>
+      </p:sp>
+      <p:sp>
+        <p:nvSpPr>
+          <p:cNvPr id="21" name="Shape 19"/>
+          <p:cNvSpPr/>
+          <p:nvPr/>
+        </p:nvSpPr>
+        <p:spPr>
+          <a:xfrm>
+            <a:off x="7509748" y="5704999"/>
             <a:ext cx="676513" cy="22860"/>
           </a:xfrm>
           <a:prstGeom prst="roundRect">
@@ -4000,21 +4241,21 @@
           <a:bodyPr/>
           <a:lstStyle/>
           <a:p>
-            <a:endParaRPr lang="en-US" b="1">
-              <a:latin typeface="Tenorite Display" panose="00000500000000000000" pitchFamily="2" charset="0"/>
-            </a:endParaRPr>
-          </a:p>
-        </p:txBody>
-      </p:sp>
-      <p:sp>
-        <p:nvSpPr>
-          <p:cNvPr id="12" name="Shape 10"/>
-          <p:cNvSpPr/>
-          <p:nvPr/>
-        </p:nvSpPr>
-        <p:spPr>
-          <a:xfrm>
-            <a:off x="7097792" y="3759398"/>
+            <a:endParaRPr lang="en-US" sz="2400" b="1">
+              <a:latin typeface="Tenorite Display" panose="00000500000000000000" pitchFamily="2" charset="0"/>
+            </a:endParaRPr>
+          </a:p>
+        </p:txBody>
+      </p:sp>
+      <p:sp>
+        <p:nvSpPr>
+          <p:cNvPr id="22" name="Shape 20"/>
+          <p:cNvSpPr/>
+          <p:nvPr/>
+        </p:nvSpPr>
+        <p:spPr>
+          <a:xfrm>
+            <a:off x="7097792" y="5499021"/>
             <a:ext cx="434816" cy="434816"/>
           </a:xfrm>
           <a:prstGeom prst="roundRect">
@@ -4031,21 +4272,21 @@
           <a:bodyPr/>
           <a:lstStyle/>
           <a:p>
-            <a:endParaRPr lang="en-US" b="1">
-              <a:latin typeface="Tenorite Display" panose="00000500000000000000" pitchFamily="2" charset="0"/>
-            </a:endParaRPr>
-          </a:p>
-        </p:txBody>
-      </p:sp>
-      <p:sp>
-        <p:nvSpPr>
-          <p:cNvPr id="13" name="Text 11"/>
-          <p:cNvSpPr/>
-          <p:nvPr/>
-        </p:nvSpPr>
-        <p:spPr>
-          <a:xfrm>
-            <a:off x="7217688" y="3831788"/>
+            <a:endParaRPr lang="en-US" sz="2400" b="1">
+              <a:latin typeface="Tenorite Display" panose="00000500000000000000" pitchFamily="2" charset="0"/>
+            </a:endParaRPr>
+          </a:p>
+        </p:txBody>
+      </p:sp>
+      <p:sp>
+        <p:nvSpPr>
+          <p:cNvPr id="23" name="Text 21"/>
+          <p:cNvSpPr/>
+          <p:nvPr/>
+        </p:nvSpPr>
+        <p:spPr>
+          <a:xfrm>
+            <a:off x="7217688" y="5571411"/>
             <a:ext cx="194905" cy="289917"/>
           </a:xfrm>
           <a:prstGeom prst="rect">
@@ -4065,7 +4306,7 @@
               <a:buNone/>
             </a:pPr>
             <a:r>
-              <a:rPr lang="en-US" sz="2250" b="1" dirty="0">
+              <a:rPr lang="en-US" sz="2800" b="1" dirty="0">
                 <a:solidFill>
                   <a:srgbClr val="61615C"/>
                 </a:solidFill>
@@ -4073,23 +4314,23 @@
                 <a:ea typeface="Tomorrow Semi Bold" pitchFamily="34" charset="-122"/>
                 <a:cs typeface="Tomorrow Semi Bold" pitchFamily="34" charset="-120"/>
               </a:rPr>
-              <a:t>2</a:t>
-            </a:r>
-            <a:endParaRPr lang="en-US" sz="2250" b="1" dirty="0">
-              <a:latin typeface="Tenorite Display" panose="00000500000000000000" pitchFamily="2" charset="0"/>
-            </a:endParaRPr>
-          </a:p>
-        </p:txBody>
-      </p:sp>
-      <p:sp>
-        <p:nvSpPr>
-          <p:cNvPr id="14" name="Text 12"/>
-          <p:cNvSpPr/>
-          <p:nvPr/>
-        </p:nvSpPr>
-        <p:spPr>
-          <a:xfrm>
-            <a:off x="8378309" y="3735229"/>
+              <a:t>4</a:t>
+            </a:r>
+            <a:endParaRPr lang="en-US" sz="2800" b="1" dirty="0">
+              <a:latin typeface="Tenorite Display" panose="00000500000000000000" pitchFamily="2" charset="0"/>
+            </a:endParaRPr>
+          </a:p>
+        </p:txBody>
+      </p:sp>
+      <p:sp>
+        <p:nvSpPr>
+          <p:cNvPr id="24" name="Text 22"/>
+          <p:cNvSpPr/>
+          <p:nvPr/>
+        </p:nvSpPr>
+        <p:spPr>
+          <a:xfrm>
+            <a:off x="8378309" y="5474851"/>
             <a:ext cx="2416254" cy="301943"/>
           </a:xfrm>
           <a:prstGeom prst="rect">
@@ -4109,7 +4350,154 @@
               <a:buNone/>
             </a:pPr>
             <a:r>
-              <a:rPr lang="en-US" sz="1900" b="1" dirty="0">
+              <a:rPr lang="en-US" sz="2800" b="1" dirty="0">
+                <a:latin typeface="Tenorite Display" panose="00000500000000000000" pitchFamily="2" charset="0"/>
+                <a:ea typeface="Tomorrow Semi Bold" pitchFamily="34" charset="-122"/>
+                <a:cs typeface="Tomorrow Semi Bold" pitchFamily="34" charset="-120"/>
+              </a:rPr>
+              <a:t>Implementation</a:t>
+            </a:r>
+            <a:endParaRPr lang="en-US" sz="2800" b="1" dirty="0">
+              <a:latin typeface="Tenorite Display" panose="00000500000000000000" pitchFamily="2" charset="0"/>
+            </a:endParaRPr>
+          </a:p>
+        </p:txBody>
+      </p:sp>
+      <p:sp>
+        <p:nvSpPr>
+          <p:cNvPr id="25" name="Text 23"/>
+          <p:cNvSpPr/>
+          <p:nvPr/>
+        </p:nvSpPr>
+        <p:spPr>
+          <a:xfrm>
+            <a:off x="8378309" y="5892760"/>
+            <a:ext cx="5575578" cy="309324"/>
+          </a:xfrm>
+          <a:prstGeom prst="rect">
+            <a:avLst/>
+          </a:prstGeom>
+          <a:noFill/>
+          <a:ln/>
+        </p:spPr>
+        <p:txBody>
+          <a:bodyPr wrap="none" lIns="0" tIns="0" rIns="0" bIns="0" rtlCol="0" anchor="t"/>
+          <a:lstStyle/>
+          <a:p>
+            <a:pPr marL="0" indent="0" algn="l">
+              <a:lnSpc>
+                <a:spcPts val="2400"/>
+              </a:lnSpc>
+              <a:buNone/>
+            </a:pPr>
+            <a:r>
+              <a:rPr lang="en-US" b="1" dirty="0">
+                <a:solidFill>
+                  <a:srgbClr val="61615C"/>
+                </a:solidFill>
+                <a:latin typeface="Tenorite Display" panose="00000500000000000000" pitchFamily="2" charset="0"/>
+                <a:ea typeface="Tomorrow" pitchFamily="34" charset="-122"/>
+                <a:cs typeface="Tomorrow" pitchFamily="34" charset="-120"/>
+              </a:rPr>
+              <a:t>Test and refine the lesson plan</a:t>
+            </a:r>
+            <a:endParaRPr lang="en-US" b="1" dirty="0">
+              <a:latin typeface="Tenorite Display" panose="00000500000000000000" pitchFamily="2" charset="0"/>
+            </a:endParaRPr>
+          </a:p>
+        </p:txBody>
+      </p:sp>
+      <p:sp>
+        <p:nvSpPr>
+          <p:cNvPr id="26" name="Shape 24"/>
+          <p:cNvSpPr/>
+          <p:nvPr/>
+        </p:nvSpPr>
+        <p:spPr>
+          <a:xfrm>
+            <a:off x="6444139" y="6574869"/>
+            <a:ext cx="676513" cy="22860"/>
+          </a:xfrm>
+          <a:prstGeom prst="roundRect">
+            <a:avLst>
+              <a:gd name="adj" fmla="val 126839"/>
+            </a:avLst>
+          </a:prstGeom>
+          <a:solidFill>
+            <a:srgbClr val="D6D0D0"/>
+          </a:solidFill>
+          <a:ln/>
+        </p:spPr>
+        <p:txBody>
+          <a:bodyPr/>
+          <a:lstStyle/>
+          <a:p>
+            <a:endParaRPr lang="en-US" sz="2400" b="1">
+              <a:latin typeface="Tenorite Display" panose="00000500000000000000" pitchFamily="2" charset="0"/>
+            </a:endParaRPr>
+          </a:p>
+        </p:txBody>
+      </p:sp>
+      <p:sp>
+        <p:nvSpPr>
+          <p:cNvPr id="27" name="Shape 25"/>
+          <p:cNvSpPr/>
+          <p:nvPr/>
+        </p:nvSpPr>
+        <p:spPr>
+          <a:xfrm>
+            <a:off x="7097792" y="6368891"/>
+            <a:ext cx="434816" cy="434816"/>
+          </a:xfrm>
+          <a:prstGeom prst="roundRect">
+            <a:avLst>
+              <a:gd name="adj" fmla="val 6668"/>
+            </a:avLst>
+          </a:prstGeom>
+          <a:solidFill>
+            <a:srgbClr val="F0EAEA"/>
+          </a:solidFill>
+          <a:ln/>
+        </p:spPr>
+        <p:txBody>
+          <a:bodyPr/>
+          <a:lstStyle/>
+          <a:p>
+            <a:endParaRPr lang="en-US" sz="2400" b="1">
+              <a:latin typeface="Tenorite Display" panose="00000500000000000000" pitchFamily="2" charset="0"/>
+            </a:endParaRPr>
+          </a:p>
+        </p:txBody>
+      </p:sp>
+      <p:sp>
+        <p:nvSpPr>
+          <p:cNvPr id="28" name="Text 26"/>
+          <p:cNvSpPr/>
+          <p:nvPr/>
+        </p:nvSpPr>
+        <p:spPr>
+          <a:xfrm>
+            <a:off x="7218640" y="6441281"/>
+            <a:ext cx="193119" cy="289917"/>
+          </a:xfrm>
+          <a:prstGeom prst="rect">
+            <a:avLst/>
+          </a:prstGeom>
+          <a:noFill/>
+          <a:ln/>
+        </p:spPr>
+        <p:txBody>
+          <a:bodyPr wrap="none" lIns="0" tIns="0" rIns="0" bIns="0" rtlCol="0" anchor="t"/>
+          <a:lstStyle/>
+          <a:p>
+            <a:pPr marL="0" indent="0" algn="ctr">
+              <a:lnSpc>
+                <a:spcPts val="2250"/>
+              </a:lnSpc>
+              <a:buNone/>
+            </a:pPr>
+            <a:r>
+              <a:rPr lang="en-US" sz="2800" b="1" dirty="0">
                 <a:solidFill>
                   <a:srgbClr val="61615C"/>
                 </a:solidFill>
@@ -4117,23 +4505,64 @@
                 <a:ea typeface="Tomorrow Semi Bold" pitchFamily="34" charset="-122"/>
                 <a:cs typeface="Tomorrow Semi Bold" pitchFamily="34" charset="-120"/>
               </a:rPr>
-              <a:t>Data Acquisition</a:t>
-            </a:r>
-            <a:endParaRPr lang="en-US" sz="1900" b="1" dirty="0">
-              <a:latin typeface="Tenorite Display" panose="00000500000000000000" pitchFamily="2" charset="0"/>
-            </a:endParaRPr>
-          </a:p>
-        </p:txBody>
-      </p:sp>
-      <p:sp>
-        <p:nvSpPr>
-          <p:cNvPr id="15" name="Text 13"/>
-          <p:cNvSpPr/>
-          <p:nvPr/>
-        </p:nvSpPr>
-        <p:spPr>
-          <a:xfrm>
-            <a:off x="8378309" y="4153138"/>
+              <a:t>5</a:t>
+            </a:r>
+            <a:endParaRPr lang="en-US" sz="2800" b="1" dirty="0">
+              <a:latin typeface="Tenorite Display" panose="00000500000000000000" pitchFamily="2" charset="0"/>
+            </a:endParaRPr>
+          </a:p>
+        </p:txBody>
+      </p:sp>
+      <p:sp>
+        <p:nvSpPr>
+          <p:cNvPr id="29" name="Text 27"/>
+          <p:cNvSpPr/>
+          <p:nvPr/>
+        </p:nvSpPr>
+        <p:spPr>
+          <a:xfrm>
+            <a:off x="3835837" y="6344722"/>
+            <a:ext cx="2416254" cy="301943"/>
+          </a:xfrm>
+          <a:prstGeom prst="rect">
+            <a:avLst/>
+          </a:prstGeom>
+          <a:noFill/>
+          <a:ln/>
+        </p:spPr>
+        <p:txBody>
+          <a:bodyPr wrap="none" lIns="0" tIns="0" rIns="0" bIns="0" rtlCol="0" anchor="t"/>
+          <a:lstStyle/>
+          <a:p>
+            <a:pPr marL="0" indent="0" algn="r">
+              <a:lnSpc>
+                <a:spcPts val="2350"/>
+              </a:lnSpc>
+              <a:buNone/>
+            </a:pPr>
+            <a:r>
+              <a:rPr lang="en-US" sz="2800" b="1" dirty="0">
+                <a:latin typeface="Tenorite Display" panose="00000500000000000000" pitchFamily="2" charset="0"/>
+                <a:ea typeface="Tomorrow Semi Bold" pitchFamily="34" charset="-122"/>
+                <a:cs typeface="Tomorrow Semi Bold" pitchFamily="34" charset="-120"/>
+              </a:rPr>
+              <a:t>Evaluation</a:t>
+            </a:r>
+            <a:endParaRPr lang="en-US" sz="2800" b="1" dirty="0">
+              <a:latin typeface="Tenorite Display" panose="00000500000000000000" pitchFamily="2" charset="0"/>
+            </a:endParaRPr>
+          </a:p>
+        </p:txBody>
+      </p:sp>
+      <p:sp>
+        <p:nvSpPr>
+          <p:cNvPr id="30" name="Text 28"/>
+          <p:cNvSpPr/>
+          <p:nvPr/>
+        </p:nvSpPr>
+        <p:spPr>
+          <a:xfrm>
+            <a:off x="676513" y="6762631"/>
             <a:ext cx="5575578" cy="309324"/>
           </a:xfrm>
           <a:prstGeom prst="rect">
@@ -4146,14 +4575,14 @@
           <a:bodyPr wrap="none" lIns="0" tIns="0" rIns="0" bIns="0" rtlCol="0" anchor="t"/>
           <a:lstStyle/>
           <a:p>
-            <a:pPr marL="0" indent="0" algn="l">
+            <a:pPr marL="0" indent="0" algn="r">
               <a:lnSpc>
                 <a:spcPts val="2400"/>
               </a:lnSpc>
               <a:buNone/>
             </a:pPr>
             <a:r>
-              <a:rPr lang="en-US" sz="1500" b="1" dirty="0">
+              <a:rPr lang="en-US" b="1" dirty="0">
                 <a:solidFill>
                   <a:srgbClr val="61615C"/>
                 </a:solidFill>
@@ -4161,591 +4590,9 @@
                 <a:ea typeface="Tomorrow" pitchFamily="34" charset="-122"/>
                 <a:cs typeface="Tomorrow" pitchFamily="34" charset="-120"/>
               </a:rPr>
-              <a:t>Retrieve NASA Earth observation data</a:t>
-            </a:r>
-            <a:endParaRPr lang="en-US" sz="1500" b="1" dirty="0">
-              <a:latin typeface="Tenorite Display" panose="00000500000000000000" pitchFamily="2" charset="0"/>
-            </a:endParaRPr>
-          </a:p>
-        </p:txBody>
-      </p:sp>
-      <p:sp>
-        <p:nvSpPr>
-          <p:cNvPr id="16" name="Shape 14"/>
-          <p:cNvSpPr/>
-          <p:nvPr/>
-        </p:nvSpPr>
-        <p:spPr>
-          <a:xfrm>
-            <a:off x="6444139" y="4835128"/>
-            <a:ext cx="676513" cy="22860"/>
-          </a:xfrm>
-          <a:prstGeom prst="roundRect">
-            <a:avLst>
-              <a:gd name="adj" fmla="val 126839"/>
-            </a:avLst>
-          </a:prstGeom>
-          <a:solidFill>
-            <a:srgbClr val="D6D0D0"/>
-          </a:solidFill>
-          <a:ln/>
-        </p:spPr>
-        <p:txBody>
-          <a:bodyPr/>
-          <a:lstStyle/>
-          <a:p>
-            <a:endParaRPr lang="en-US" b="1">
-              <a:latin typeface="Tenorite Display" panose="00000500000000000000" pitchFamily="2" charset="0"/>
-            </a:endParaRPr>
-          </a:p>
-        </p:txBody>
-      </p:sp>
-      <p:sp>
-        <p:nvSpPr>
-          <p:cNvPr id="17" name="Shape 15"/>
-          <p:cNvSpPr/>
-          <p:nvPr/>
-        </p:nvSpPr>
-        <p:spPr>
-          <a:xfrm>
-            <a:off x="7097792" y="4629150"/>
-            <a:ext cx="434816" cy="434816"/>
-          </a:xfrm>
-          <a:prstGeom prst="roundRect">
-            <a:avLst>
-              <a:gd name="adj" fmla="val 6668"/>
-            </a:avLst>
-          </a:prstGeom>
-          <a:solidFill>
-            <a:srgbClr val="F0EAEA"/>
-          </a:solidFill>
-          <a:ln/>
-        </p:spPr>
-        <p:txBody>
-          <a:bodyPr/>
-          <a:lstStyle/>
-          <a:p>
-            <a:endParaRPr lang="en-US" b="1">
-              <a:latin typeface="Tenorite Display" panose="00000500000000000000" pitchFamily="2" charset="0"/>
-            </a:endParaRPr>
-          </a:p>
-        </p:txBody>
-      </p:sp>
-      <p:sp>
-        <p:nvSpPr>
-          <p:cNvPr id="18" name="Text 16"/>
-          <p:cNvSpPr/>
-          <p:nvPr/>
-        </p:nvSpPr>
-        <p:spPr>
-          <a:xfrm>
-            <a:off x="7218283" y="4701540"/>
-            <a:ext cx="193715" cy="289917"/>
-          </a:xfrm>
-          <a:prstGeom prst="rect">
-            <a:avLst/>
-          </a:prstGeom>
-          <a:noFill/>
-          <a:ln/>
-        </p:spPr>
-        <p:txBody>
-          <a:bodyPr wrap="none" lIns="0" tIns="0" rIns="0" bIns="0" rtlCol="0" anchor="t"/>
-          <a:lstStyle/>
-          <a:p>
-            <a:pPr marL="0" indent="0" algn="ctr">
-              <a:lnSpc>
-                <a:spcPts val="2250"/>
-              </a:lnSpc>
-              <a:buNone/>
-            </a:pPr>
-            <a:r>
-              <a:rPr lang="en-US" sz="2250" b="1" dirty="0">
-                <a:solidFill>
-                  <a:srgbClr val="61615C"/>
-                </a:solidFill>
-                <a:latin typeface="Tenorite Display" panose="00000500000000000000" pitchFamily="2" charset="0"/>
-                <a:ea typeface="Tomorrow Semi Bold" pitchFamily="34" charset="-122"/>
-                <a:cs typeface="Tomorrow Semi Bold" pitchFamily="34" charset="-120"/>
-              </a:rPr>
-              <a:t>3</a:t>
-            </a:r>
-            <a:endParaRPr lang="en-US" sz="2250" b="1" dirty="0">
-              <a:latin typeface="Tenorite Display" panose="00000500000000000000" pitchFamily="2" charset="0"/>
-            </a:endParaRPr>
-          </a:p>
-        </p:txBody>
-      </p:sp>
-      <p:sp>
-        <p:nvSpPr>
-          <p:cNvPr id="19" name="Text 17"/>
-          <p:cNvSpPr/>
-          <p:nvPr/>
-        </p:nvSpPr>
-        <p:spPr>
-          <a:xfrm>
-            <a:off x="3671054" y="4604980"/>
-            <a:ext cx="2581037" cy="301943"/>
-          </a:xfrm>
-          <a:prstGeom prst="rect">
-            <a:avLst/>
-          </a:prstGeom>
-          <a:noFill/>
-          <a:ln/>
-        </p:spPr>
-        <p:txBody>
-          <a:bodyPr wrap="none" lIns="0" tIns="0" rIns="0" bIns="0" rtlCol="0" anchor="t"/>
-          <a:lstStyle/>
-          <a:p>
-            <a:pPr marL="0" indent="0" algn="r">
-              <a:lnSpc>
-                <a:spcPts val="2350"/>
-              </a:lnSpc>
-              <a:buNone/>
-            </a:pPr>
-            <a:r>
-              <a:rPr lang="en-US" sz="1900" b="1" dirty="0">
-                <a:solidFill>
-                  <a:srgbClr val="61615C"/>
-                </a:solidFill>
-                <a:latin typeface="Tenorite Display" panose="00000500000000000000" pitchFamily="2" charset="0"/>
-                <a:ea typeface="Tomorrow Semi Bold" pitchFamily="34" charset="-122"/>
-                <a:cs typeface="Tomorrow Semi Bold" pitchFamily="34" charset="-120"/>
-              </a:rPr>
-              <a:t>Lesson Development</a:t>
-            </a:r>
-            <a:endParaRPr lang="en-US" sz="1900" b="1" dirty="0">
-              <a:latin typeface="Tenorite Display" panose="00000500000000000000" pitchFamily="2" charset="0"/>
-            </a:endParaRPr>
-          </a:p>
-        </p:txBody>
-      </p:sp>
-      <p:sp>
-        <p:nvSpPr>
-          <p:cNvPr id="20" name="Text 18"/>
-          <p:cNvSpPr/>
-          <p:nvPr/>
-        </p:nvSpPr>
-        <p:spPr>
-          <a:xfrm>
-            <a:off x="676513" y="5022890"/>
-            <a:ext cx="5575578" cy="309324"/>
-          </a:xfrm>
-          <a:prstGeom prst="rect">
-            <a:avLst/>
-          </a:prstGeom>
-          <a:noFill/>
-          <a:ln/>
-        </p:spPr>
-        <p:txBody>
-          <a:bodyPr wrap="none" lIns="0" tIns="0" rIns="0" bIns="0" rtlCol="0" anchor="t"/>
-          <a:lstStyle/>
-          <a:p>
-            <a:pPr marL="0" indent="0" algn="r">
-              <a:lnSpc>
-                <a:spcPts val="2400"/>
-              </a:lnSpc>
-              <a:buNone/>
-            </a:pPr>
-            <a:r>
-              <a:rPr lang="en-US" sz="1500" b="1" dirty="0">
-                <a:solidFill>
-                  <a:srgbClr val="61615C"/>
-                </a:solidFill>
-                <a:latin typeface="Tenorite Display" panose="00000500000000000000" pitchFamily="2" charset="0"/>
-                <a:ea typeface="Tomorrow" pitchFamily="34" charset="-122"/>
-                <a:cs typeface="Tomorrow" pitchFamily="34" charset="-120"/>
-              </a:rPr>
-              <a:t>Design engaging activities and simulations</a:t>
-            </a:r>
-            <a:endParaRPr lang="en-US" sz="1500" b="1" dirty="0">
-              <a:latin typeface="Tenorite Display" panose="00000500000000000000" pitchFamily="2" charset="0"/>
-            </a:endParaRPr>
-          </a:p>
-        </p:txBody>
-      </p:sp>
-      <p:sp>
-        <p:nvSpPr>
-          <p:cNvPr id="21" name="Shape 19"/>
-          <p:cNvSpPr/>
-          <p:nvPr/>
-        </p:nvSpPr>
-        <p:spPr>
-          <a:xfrm>
-            <a:off x="7509748" y="5704999"/>
-            <a:ext cx="676513" cy="22860"/>
-          </a:xfrm>
-          <a:prstGeom prst="roundRect">
-            <a:avLst>
-              <a:gd name="adj" fmla="val 126839"/>
-            </a:avLst>
-          </a:prstGeom>
-          <a:solidFill>
-            <a:srgbClr val="D6D0D0"/>
-          </a:solidFill>
-          <a:ln/>
-        </p:spPr>
-        <p:txBody>
-          <a:bodyPr/>
-          <a:lstStyle/>
-          <a:p>
-            <a:endParaRPr lang="en-US" b="1">
-              <a:latin typeface="Tenorite Display" panose="00000500000000000000" pitchFamily="2" charset="0"/>
-            </a:endParaRPr>
-          </a:p>
-        </p:txBody>
-      </p:sp>
-      <p:sp>
-        <p:nvSpPr>
-          <p:cNvPr id="22" name="Shape 20"/>
-          <p:cNvSpPr/>
-          <p:nvPr/>
-        </p:nvSpPr>
-        <p:spPr>
-          <a:xfrm>
-            <a:off x="7097792" y="5499021"/>
-            <a:ext cx="434816" cy="434816"/>
-          </a:xfrm>
-          <a:prstGeom prst="roundRect">
-            <a:avLst>
-              <a:gd name="adj" fmla="val 6668"/>
-            </a:avLst>
-          </a:prstGeom>
-          <a:solidFill>
-            <a:srgbClr val="F0EAEA"/>
-          </a:solidFill>
-          <a:ln/>
-        </p:spPr>
-        <p:txBody>
-          <a:bodyPr/>
-          <a:lstStyle/>
-          <a:p>
-            <a:endParaRPr lang="en-US" b="1">
-              <a:latin typeface="Tenorite Display" panose="00000500000000000000" pitchFamily="2" charset="0"/>
-            </a:endParaRPr>
-          </a:p>
-        </p:txBody>
-      </p:sp>
-      <p:sp>
-        <p:nvSpPr>
-          <p:cNvPr id="23" name="Text 21"/>
-          <p:cNvSpPr/>
-          <p:nvPr/>
-        </p:nvSpPr>
-        <p:spPr>
-          <a:xfrm>
-            <a:off x="7217688" y="5571411"/>
-            <a:ext cx="194905" cy="289917"/>
-          </a:xfrm>
-          <a:prstGeom prst="rect">
-            <a:avLst/>
-          </a:prstGeom>
-          <a:noFill/>
-          <a:ln/>
-        </p:spPr>
-        <p:txBody>
-          <a:bodyPr wrap="none" lIns="0" tIns="0" rIns="0" bIns="0" rtlCol="0" anchor="t"/>
-          <a:lstStyle/>
-          <a:p>
-            <a:pPr marL="0" indent="0" algn="ctr">
-              <a:lnSpc>
-                <a:spcPts val="2250"/>
-              </a:lnSpc>
-              <a:buNone/>
-            </a:pPr>
-            <a:r>
-              <a:rPr lang="en-US" sz="2250" b="1" dirty="0">
-                <a:solidFill>
-                  <a:srgbClr val="61615C"/>
-                </a:solidFill>
-                <a:latin typeface="Tenorite Display" panose="00000500000000000000" pitchFamily="2" charset="0"/>
-                <a:ea typeface="Tomorrow Semi Bold" pitchFamily="34" charset="-122"/>
-                <a:cs typeface="Tomorrow Semi Bold" pitchFamily="34" charset="-120"/>
-              </a:rPr>
-              <a:t>4</a:t>
-            </a:r>
-            <a:endParaRPr lang="en-US" sz="2250" b="1" dirty="0">
-              <a:latin typeface="Tenorite Display" panose="00000500000000000000" pitchFamily="2" charset="0"/>
-            </a:endParaRPr>
-          </a:p>
-        </p:txBody>
-      </p:sp>
-      <p:sp>
-        <p:nvSpPr>
-          <p:cNvPr id="24" name="Text 22"/>
-          <p:cNvSpPr/>
-          <p:nvPr/>
-        </p:nvSpPr>
-        <p:spPr>
-          <a:xfrm>
-            <a:off x="8378309" y="5474851"/>
-            <a:ext cx="2416254" cy="301943"/>
-          </a:xfrm>
-          <a:prstGeom prst="rect">
-            <a:avLst/>
-          </a:prstGeom>
-          <a:noFill/>
-          <a:ln/>
-        </p:spPr>
-        <p:txBody>
-          <a:bodyPr wrap="none" lIns="0" tIns="0" rIns="0" bIns="0" rtlCol="0" anchor="t"/>
-          <a:lstStyle/>
-          <a:p>
-            <a:pPr marL="0" indent="0" algn="l">
-              <a:lnSpc>
-                <a:spcPts val="2350"/>
-              </a:lnSpc>
-              <a:buNone/>
-            </a:pPr>
-            <a:r>
-              <a:rPr lang="en-US" sz="1900" b="1" dirty="0">
-                <a:solidFill>
-                  <a:srgbClr val="61615C"/>
-                </a:solidFill>
-                <a:latin typeface="Tenorite Display" panose="00000500000000000000" pitchFamily="2" charset="0"/>
-                <a:ea typeface="Tomorrow Semi Bold" pitchFamily="34" charset="-122"/>
-                <a:cs typeface="Tomorrow Semi Bold" pitchFamily="34" charset="-120"/>
-              </a:rPr>
-              <a:t>Implementation</a:t>
-            </a:r>
-            <a:endParaRPr lang="en-US" sz="1900" b="1" dirty="0">
-              <a:latin typeface="Tenorite Display" panose="00000500000000000000" pitchFamily="2" charset="0"/>
-            </a:endParaRPr>
-          </a:p>
-        </p:txBody>
-      </p:sp>
-      <p:sp>
-        <p:nvSpPr>
-          <p:cNvPr id="25" name="Text 23"/>
-          <p:cNvSpPr/>
-          <p:nvPr/>
-        </p:nvSpPr>
-        <p:spPr>
-          <a:xfrm>
-            <a:off x="8378309" y="5892760"/>
-            <a:ext cx="5575578" cy="309324"/>
-          </a:xfrm>
-          <a:prstGeom prst="rect">
-            <a:avLst/>
-          </a:prstGeom>
-          <a:noFill/>
-          <a:ln/>
-        </p:spPr>
-        <p:txBody>
-          <a:bodyPr wrap="none" lIns="0" tIns="0" rIns="0" bIns="0" rtlCol="0" anchor="t"/>
-          <a:lstStyle/>
-          <a:p>
-            <a:pPr marL="0" indent="0" algn="l">
-              <a:lnSpc>
-                <a:spcPts val="2400"/>
-              </a:lnSpc>
-              <a:buNone/>
-            </a:pPr>
-            <a:r>
-              <a:rPr lang="en-US" sz="1500" b="1" dirty="0">
-                <a:solidFill>
-                  <a:srgbClr val="61615C"/>
-                </a:solidFill>
-                <a:latin typeface="Tenorite Display" panose="00000500000000000000" pitchFamily="2" charset="0"/>
-                <a:ea typeface="Tomorrow" pitchFamily="34" charset="-122"/>
-                <a:cs typeface="Tomorrow" pitchFamily="34" charset="-120"/>
-              </a:rPr>
-              <a:t>Test and refine the lesson plan</a:t>
-            </a:r>
-            <a:endParaRPr lang="en-US" sz="1500" b="1" dirty="0">
-              <a:latin typeface="Tenorite Display" panose="00000500000000000000" pitchFamily="2" charset="0"/>
-            </a:endParaRPr>
-          </a:p>
-        </p:txBody>
-      </p:sp>
-      <p:sp>
-        <p:nvSpPr>
-          <p:cNvPr id="26" name="Shape 24"/>
-          <p:cNvSpPr/>
-          <p:nvPr/>
-        </p:nvSpPr>
-        <p:spPr>
-          <a:xfrm>
-            <a:off x="6444139" y="6574869"/>
-            <a:ext cx="676513" cy="22860"/>
-          </a:xfrm>
-          <a:prstGeom prst="roundRect">
-            <a:avLst>
-              <a:gd name="adj" fmla="val 126839"/>
-            </a:avLst>
-          </a:prstGeom>
-          <a:solidFill>
-            <a:srgbClr val="D6D0D0"/>
-          </a:solidFill>
-          <a:ln/>
-        </p:spPr>
-        <p:txBody>
-          <a:bodyPr/>
-          <a:lstStyle/>
-          <a:p>
-            <a:endParaRPr lang="en-US" b="1">
-              <a:latin typeface="Tenorite Display" panose="00000500000000000000" pitchFamily="2" charset="0"/>
-            </a:endParaRPr>
-          </a:p>
-        </p:txBody>
-      </p:sp>
-      <p:sp>
-        <p:nvSpPr>
-          <p:cNvPr id="27" name="Shape 25"/>
-          <p:cNvSpPr/>
-          <p:nvPr/>
-        </p:nvSpPr>
-        <p:spPr>
-          <a:xfrm>
-            <a:off x="7097792" y="6368891"/>
-            <a:ext cx="434816" cy="434816"/>
-          </a:xfrm>
-          <a:prstGeom prst="roundRect">
-            <a:avLst>
-              <a:gd name="adj" fmla="val 6668"/>
-            </a:avLst>
-          </a:prstGeom>
-          <a:solidFill>
-            <a:srgbClr val="F0EAEA"/>
-          </a:solidFill>
-          <a:ln/>
-        </p:spPr>
-        <p:txBody>
-          <a:bodyPr/>
-          <a:lstStyle/>
-          <a:p>
-            <a:endParaRPr lang="en-US" b="1">
-              <a:latin typeface="Tenorite Display" panose="00000500000000000000" pitchFamily="2" charset="0"/>
-            </a:endParaRPr>
-          </a:p>
-        </p:txBody>
-      </p:sp>
-      <p:sp>
-        <p:nvSpPr>
-          <p:cNvPr id="28" name="Text 26"/>
-          <p:cNvSpPr/>
-          <p:nvPr/>
-        </p:nvSpPr>
-        <p:spPr>
-          <a:xfrm>
-            <a:off x="7218640" y="6441281"/>
-            <a:ext cx="193119" cy="289917"/>
-          </a:xfrm>
-          <a:prstGeom prst="rect">
-            <a:avLst/>
-          </a:prstGeom>
-          <a:noFill/>
-          <a:ln/>
-        </p:spPr>
-        <p:txBody>
-          <a:bodyPr wrap="none" lIns="0" tIns="0" rIns="0" bIns="0" rtlCol="0" anchor="t"/>
-          <a:lstStyle/>
-          <a:p>
-            <a:pPr marL="0" indent="0" algn="ctr">
-              <a:lnSpc>
-                <a:spcPts val="2250"/>
-              </a:lnSpc>
-              <a:buNone/>
-            </a:pPr>
-            <a:r>
-              <a:rPr lang="en-US" sz="2250" b="1" dirty="0">
-                <a:solidFill>
-                  <a:srgbClr val="61615C"/>
-                </a:solidFill>
-                <a:latin typeface="Tenorite Display" panose="00000500000000000000" pitchFamily="2" charset="0"/>
-                <a:ea typeface="Tomorrow Semi Bold" pitchFamily="34" charset="-122"/>
-                <a:cs typeface="Tomorrow Semi Bold" pitchFamily="34" charset="-120"/>
-              </a:rPr>
-              <a:t>5</a:t>
-            </a:r>
-            <a:endParaRPr lang="en-US" sz="2250" b="1" dirty="0">
-              <a:latin typeface="Tenorite Display" panose="00000500000000000000" pitchFamily="2" charset="0"/>
-            </a:endParaRPr>
-          </a:p>
-        </p:txBody>
-      </p:sp>
-      <p:sp>
-        <p:nvSpPr>
-          <p:cNvPr id="29" name="Text 27"/>
-          <p:cNvSpPr/>
-          <p:nvPr/>
-        </p:nvSpPr>
-        <p:spPr>
-          <a:xfrm>
-            <a:off x="3835837" y="6344722"/>
-            <a:ext cx="2416254" cy="301943"/>
-          </a:xfrm>
-          <a:prstGeom prst="rect">
-            <a:avLst/>
-          </a:prstGeom>
-          <a:noFill/>
-          <a:ln/>
-        </p:spPr>
-        <p:txBody>
-          <a:bodyPr wrap="none" lIns="0" tIns="0" rIns="0" bIns="0" rtlCol="0" anchor="t"/>
-          <a:lstStyle/>
-          <a:p>
-            <a:pPr marL="0" indent="0" algn="r">
-              <a:lnSpc>
-                <a:spcPts val="2350"/>
-              </a:lnSpc>
-              <a:buNone/>
-            </a:pPr>
-            <a:r>
-              <a:rPr lang="en-US" sz="1900" b="1" dirty="0">
-                <a:solidFill>
-                  <a:srgbClr val="61615C"/>
-                </a:solidFill>
-                <a:latin typeface="Tenorite Display" panose="00000500000000000000" pitchFamily="2" charset="0"/>
-                <a:ea typeface="Tomorrow Semi Bold" pitchFamily="34" charset="-122"/>
-                <a:cs typeface="Tomorrow Semi Bold" pitchFamily="34" charset="-120"/>
-              </a:rPr>
-              <a:t>Evaluation</a:t>
-            </a:r>
-            <a:endParaRPr lang="en-US" sz="1900" b="1" dirty="0">
-              <a:latin typeface="Tenorite Display" panose="00000500000000000000" pitchFamily="2" charset="0"/>
-            </a:endParaRPr>
-          </a:p>
-        </p:txBody>
-      </p:sp>
-      <p:sp>
-        <p:nvSpPr>
-          <p:cNvPr id="30" name="Text 28"/>
-          <p:cNvSpPr/>
-          <p:nvPr/>
-        </p:nvSpPr>
-        <p:spPr>
-          <a:xfrm>
-            <a:off x="676513" y="6762631"/>
-            <a:ext cx="5575578" cy="309324"/>
-          </a:xfrm>
-          <a:prstGeom prst="rect">
-            <a:avLst/>
-          </a:prstGeom>
-          <a:noFill/>
-          <a:ln/>
-        </p:spPr>
-        <p:txBody>
-          <a:bodyPr wrap="none" lIns="0" tIns="0" rIns="0" bIns="0" rtlCol="0" anchor="t"/>
-          <a:lstStyle/>
-          <a:p>
-            <a:pPr marL="0" indent="0" algn="r">
-              <a:lnSpc>
-                <a:spcPts val="2400"/>
-              </a:lnSpc>
-              <a:buNone/>
-            </a:pPr>
-            <a:r>
-              <a:rPr lang="en-US" sz="1500" b="1" dirty="0">
-                <a:solidFill>
-                  <a:srgbClr val="61615C"/>
-                </a:solidFill>
-                <a:latin typeface="Tenorite Display" panose="00000500000000000000" pitchFamily="2" charset="0"/>
-                <a:ea typeface="Tomorrow" pitchFamily="34" charset="-122"/>
-                <a:cs typeface="Tomorrow" pitchFamily="34" charset="-120"/>
-              </a:rPr>
               <a:t>Assess student understanding</a:t>
             </a:r>
-            <a:endParaRPr lang="en-US" sz="1500" b="1" dirty="0">
+            <a:endParaRPr lang="en-US" b="1" dirty="0">
               <a:latin typeface="Tenorite Display" panose="00000500000000000000" pitchFamily="2" charset="0"/>
             </a:endParaRPr>
           </a:p>
@@ -4766,7 +4613,7 @@
         <p:spPr>
           <a:xfrm>
             <a:off x="12812751" y="7683190"/>
-            <a:ext cx="1817649" cy="369332"/>
+            <a:ext cx="1817649" cy="461665"/>
           </a:xfrm>
           <a:prstGeom prst="rect">
             <a:avLst/>
@@ -4781,7 +4628,7 @@
           </a:bodyPr>
           <a:lstStyle/>
           <a:p>
-            <a:endParaRPr lang="en-US" b="1" dirty="0">
+            <a:endParaRPr lang="en-US" sz="2400" b="1" dirty="0">
               <a:latin typeface="Tenorite Display" panose="00000500000000000000" pitchFamily="2" charset="0"/>
             </a:endParaRPr>
           </a:p>
@@ -4864,7 +4711,7 @@
               <a:buNone/>
             </a:pPr>
             <a:r>
-              <a:rPr lang="en-US" sz="4800" dirty="0">
+              <a:rPr lang="en-US" sz="4800" b="1" dirty="0">
                 <a:solidFill>
                   <a:srgbClr val="1D1D1B"/>
                 </a:solidFill>
@@ -4874,7 +4721,7 @@
               </a:rPr>
               <a:t>SDG-Focused Lesson Plan</a:t>
             </a:r>
-            <a:endParaRPr lang="en-US" sz="4800" dirty="0"/>
+            <a:endParaRPr lang="en-US" sz="4800" b="1" dirty="0"/>
           </a:p>
         </p:txBody>
       </p:sp>
@@ -4907,16 +4754,15 @@
             </a:pPr>
             <a:r>
               <a:rPr lang="en-US" sz="1900" dirty="0">
-                <a:solidFill>
-                  <a:srgbClr val="61615C"/>
-                </a:solidFill>
-                <a:latin typeface="Tomorrow" pitchFamily="34" charset="0"/>
+                <a:latin typeface="Tenorite Display" panose="00000500000000000000" pitchFamily="2" charset="0"/>
                 <a:ea typeface="Tomorrow" pitchFamily="34" charset="-122"/>
                 <a:cs typeface="Tomorrow" pitchFamily="34" charset="-120"/>
               </a:rPr>
               <a:t>Topic: Climate Action, Zero Hunger, or other SDG.</a:t>
             </a:r>
-            <a:endParaRPr lang="en-US" sz="1900" dirty="0"/>
+            <a:endParaRPr lang="en-US" sz="1900" dirty="0">
+              <a:latin typeface="Tenorite Display" panose="00000500000000000000" pitchFamily="2" charset="0"/>
+            </a:endParaRPr>
           </a:p>
         </p:txBody>
       </p:sp>
@@ -4949,16 +4795,15 @@
             </a:pPr>
             <a:r>
               <a:rPr lang="en-US" sz="1900" dirty="0">
-                <a:solidFill>
-                  <a:srgbClr val="61615C"/>
-                </a:solidFill>
-                <a:latin typeface="Tomorrow" pitchFamily="34" charset="0"/>
+                <a:latin typeface="Tenorite Display" panose="00000500000000000000" pitchFamily="2" charset="0"/>
                 <a:ea typeface="Tomorrow" pitchFamily="34" charset="-122"/>
                 <a:cs typeface="Tomorrow" pitchFamily="34" charset="-120"/>
               </a:rPr>
               <a:t>Curriculum Integration: Blended into existing science units.</a:t>
             </a:r>
-            <a:endParaRPr lang="en-US" sz="1900" dirty="0"/>
+            <a:endParaRPr lang="en-US" sz="1900" dirty="0">
+              <a:latin typeface="Tenorite Display" panose="00000500000000000000" pitchFamily="2" charset="0"/>
+            </a:endParaRPr>
           </a:p>
         </p:txBody>
       </p:sp>
@@ -4992,7 +4837,9 @@
           <a:bodyPr/>
           <a:lstStyle/>
           <a:p>
-            <a:endParaRPr lang="en-US"/>
+            <a:endParaRPr lang="en-US">
+              <a:latin typeface="Tenorite Display" panose="00000500000000000000" pitchFamily="2" charset="0"/>
+            </a:endParaRPr>
           </a:p>
         </p:txBody>
       </p:sp>
@@ -5005,7 +4852,7 @@
         <p:spPr>
           <a:xfrm>
             <a:off x="876062" y="3938230"/>
-            <a:ext cx="7391876" cy="703778"/>
+            <a:ext cx="7391876" cy="877904"/>
           </a:xfrm>
           <a:prstGeom prst="rect">
             <a:avLst/>
@@ -5021,7 +4868,17 @@
           <a:bodyPr/>
           <a:lstStyle/>
           <a:p>
-            <a:endParaRPr lang="en-US"/>
+            <a:r>
+              <a:rPr lang="en-US" b="1" dirty="0">
+                <a:latin typeface="Tenorite Display" panose="00000500000000000000" pitchFamily="2" charset="0"/>
+                <a:ea typeface="Tomorrow" pitchFamily="34" charset="-122"/>
+                <a:cs typeface="Tomorrow" pitchFamily="34" charset="-120"/>
+              </a:rPr>
+              <a:t>Interactive</a:t>
+            </a:r>
+            <a:endParaRPr lang="en-US" b="1" dirty="0">
+              <a:latin typeface="Tenorite Display" panose="00000500000000000000" pitchFamily="2" charset="0"/>
+            </a:endParaRPr>
           </a:p>
         </p:txBody>
       </p:sp>
@@ -5033,7 +4890,7 @@
         </p:nvSpPr>
         <p:spPr>
           <a:xfrm>
-            <a:off x="1121926" y="4093369"/>
+            <a:off x="970156" y="4195743"/>
             <a:ext cx="3200400" cy="393502"/>
           </a:xfrm>
           <a:prstGeom prst="rect">
@@ -5053,17 +4910,16 @@
               <a:buNone/>
             </a:pPr>
             <a:r>
-              <a:rPr lang="en-US" sz="1900" dirty="0">
-                <a:solidFill>
-                  <a:srgbClr val="61615C"/>
-                </a:solidFill>
-                <a:latin typeface="Tomorrow" pitchFamily="34" charset="0"/>
+              <a:rPr lang="en-US" sz="1900" b="1" dirty="0">
+                <a:latin typeface="Tenorite Display" panose="00000500000000000000" pitchFamily="2" charset="0"/>
                 <a:ea typeface="Tomorrow" pitchFamily="34" charset="-122"/>
                 <a:cs typeface="Tomorrow" pitchFamily="34" charset="-120"/>
               </a:rPr>
               <a:t>Topic</a:t>
             </a:r>
-            <a:endParaRPr lang="en-US" sz="1900" dirty="0"/>
+            <a:endParaRPr lang="en-US" sz="1900" b="1" dirty="0">
+              <a:latin typeface="Tenorite Display" panose="00000500000000000000" pitchFamily="2" charset="0"/>
+            </a:endParaRPr>
           </a:p>
         </p:txBody>
       </p:sp>
@@ -5096,16 +4952,15 @@
             </a:pPr>
             <a:r>
               <a:rPr lang="en-US" sz="1900" dirty="0">
-                <a:solidFill>
-                  <a:srgbClr val="61615C"/>
-                </a:solidFill>
-                <a:latin typeface="Tomorrow" pitchFamily="34" charset="0"/>
+                <a:latin typeface="Tenorite Display" panose="00000500000000000000" pitchFamily="2" charset="0"/>
                 <a:ea typeface="Tomorrow" pitchFamily="34" charset="-122"/>
                 <a:cs typeface="Tomorrow" pitchFamily="34" charset="-120"/>
               </a:rPr>
               <a:t>Climate Change</a:t>
             </a:r>
-            <a:endParaRPr lang="en-US" sz="1900" dirty="0"/>
+            <a:endParaRPr lang="en-US" sz="1900" dirty="0">
+              <a:latin typeface="Tenorite Display" panose="00000500000000000000" pitchFamily="2" charset="0"/>
+            </a:endParaRPr>
           </a:p>
         </p:txBody>
       </p:sp>
@@ -5117,7 +4972,7 @@
         </p:nvSpPr>
         <p:spPr>
           <a:xfrm>
-            <a:off x="876062" y="4642009"/>
+            <a:off x="860822" y="4899521"/>
             <a:ext cx="7391876" cy="703778"/>
           </a:xfrm>
           <a:prstGeom prst="rect">
@@ -5134,7 +4989,9 @@
           <a:bodyPr/>
           <a:lstStyle/>
           <a:p>
-            <a:endParaRPr lang="en-US"/>
+            <a:endParaRPr lang="en-US">
+              <a:latin typeface="Tenorite Display" panose="00000500000000000000" pitchFamily="2" charset="0"/>
+            </a:endParaRPr>
           </a:p>
         </p:txBody>
       </p:sp>
@@ -5146,7 +5003,7 @@
         </p:nvSpPr>
         <p:spPr>
           <a:xfrm>
-            <a:off x="1121926" y="4797147"/>
+            <a:off x="970156" y="4998685"/>
             <a:ext cx="3200400" cy="393502"/>
           </a:xfrm>
           <a:prstGeom prst="rect">
@@ -5166,17 +5023,16 @@
               <a:buNone/>
             </a:pPr>
             <a:r>
-              <a:rPr lang="en-US" sz="1900" dirty="0">
-                <a:solidFill>
-                  <a:srgbClr val="61615C"/>
-                </a:solidFill>
-                <a:latin typeface="Tomorrow" pitchFamily="34" charset="0"/>
+              <a:rPr lang="en-US" sz="1900" b="1" dirty="0">
+                <a:latin typeface="Tenorite Display" panose="00000500000000000000" pitchFamily="2" charset="0"/>
                 <a:ea typeface="Tomorrow" pitchFamily="34" charset="-122"/>
                 <a:cs typeface="Tomorrow" pitchFamily="34" charset="-120"/>
               </a:rPr>
               <a:t>Curriculum</a:t>
             </a:r>
-            <a:endParaRPr lang="en-US" sz="1900" dirty="0"/>
+            <a:endParaRPr lang="en-US" sz="1900" b="1" dirty="0">
+              <a:latin typeface="Tenorite Display" panose="00000500000000000000" pitchFamily="2" charset="0"/>
+            </a:endParaRPr>
           </a:p>
         </p:txBody>
       </p:sp>
@@ -5209,16 +5065,15 @@
             </a:pPr>
             <a:r>
               <a:rPr lang="en-US" sz="1900" dirty="0">
-                <a:solidFill>
-                  <a:srgbClr val="61615C"/>
-                </a:solidFill>
-                <a:latin typeface="Tomorrow" pitchFamily="34" charset="0"/>
+                <a:latin typeface="Tenorite Display" panose="00000500000000000000" pitchFamily="2" charset="0"/>
                 <a:ea typeface="Tomorrow" pitchFamily="34" charset="-122"/>
                 <a:cs typeface="Tomorrow" pitchFamily="34" charset="-120"/>
               </a:rPr>
               <a:t>Weather and Climate</a:t>
             </a:r>
-            <a:endParaRPr lang="en-US" sz="1900" dirty="0"/>
+            <a:endParaRPr lang="en-US" sz="1900" dirty="0">
+              <a:latin typeface="Tenorite Display" panose="00000500000000000000" pitchFamily="2" charset="0"/>
+            </a:endParaRPr>
           </a:p>
         </p:txBody>
       </p:sp>
@@ -5247,7 +5102,9 @@
           <a:bodyPr/>
           <a:lstStyle/>
           <a:p>
-            <a:endParaRPr lang="en-US"/>
+            <a:endParaRPr lang="en-US">
+              <a:latin typeface="Tenorite Display" panose="00000500000000000000" pitchFamily="2" charset="0"/>
+            </a:endParaRPr>
           </a:p>
         </p:txBody>
       </p:sp>
@@ -5259,7 +5116,7 @@
         </p:nvSpPr>
         <p:spPr>
           <a:xfrm>
-            <a:off x="1121926" y="5500926"/>
+            <a:off x="970156" y="5748863"/>
             <a:ext cx="3200400" cy="393502"/>
           </a:xfrm>
           <a:prstGeom prst="rect">
@@ -5279,17 +5136,16 @@
               <a:buNone/>
             </a:pPr>
             <a:r>
-              <a:rPr lang="en-US" sz="1900" dirty="0">
-                <a:solidFill>
-                  <a:srgbClr val="61615C"/>
-                </a:solidFill>
-                <a:latin typeface="Tomorrow" pitchFamily="34" charset="0"/>
+              <a:rPr lang="en-US" sz="1900" b="1" dirty="0">
+                <a:latin typeface="Tenorite Display" panose="00000500000000000000" pitchFamily="2" charset="0"/>
                 <a:ea typeface="Tomorrow" pitchFamily="34" charset="-122"/>
                 <a:cs typeface="Tomorrow" pitchFamily="34" charset="-120"/>
               </a:rPr>
               <a:t>Tools</a:t>
             </a:r>
-            <a:endParaRPr lang="en-US" sz="1900" dirty="0"/>
+            <a:endParaRPr lang="en-US" sz="1900" b="1" dirty="0">
+              <a:latin typeface="Tenorite Display" panose="00000500000000000000" pitchFamily="2" charset="0"/>
+            </a:endParaRPr>
           </a:p>
         </p:txBody>
       </p:sp>
@@ -5322,16 +5178,15 @@
             </a:pPr>
             <a:r>
               <a:rPr lang="en-US" sz="1900" dirty="0">
-                <a:solidFill>
-                  <a:srgbClr val="61615C"/>
-                </a:solidFill>
-                <a:latin typeface="Tomorrow" pitchFamily="34" charset="0"/>
+                <a:latin typeface="Tenorite Display" panose="00000500000000000000" pitchFamily="2" charset="0"/>
                 <a:ea typeface="Tomorrow" pitchFamily="34" charset="-122"/>
                 <a:cs typeface="Tomorrow" pitchFamily="34" charset="-120"/>
               </a:rPr>
               <a:t>NASA Earth observation data</a:t>
             </a:r>
-            <a:endParaRPr lang="en-US" sz="1900" dirty="0"/>
+            <a:endParaRPr lang="en-US" sz="1900" dirty="0">
+              <a:latin typeface="Tenorite Display" panose="00000500000000000000" pitchFamily="2" charset="0"/>
+            </a:endParaRPr>
           </a:p>
         </p:txBody>
       </p:sp>
@@ -5360,7 +5215,9 @@
           <a:bodyPr/>
           <a:lstStyle/>
           <a:p>
-            <a:endParaRPr lang="en-US"/>
+            <a:endParaRPr lang="en-US">
+              <a:latin typeface="Tenorite Display" panose="00000500000000000000" pitchFamily="2" charset="0"/>
+            </a:endParaRPr>
           </a:p>
         </p:txBody>
       </p:sp>
@@ -5372,7 +5229,7 @@
         </p:nvSpPr>
         <p:spPr>
           <a:xfrm>
-            <a:off x="1121926" y="6598206"/>
+            <a:off x="970156" y="6617192"/>
             <a:ext cx="3200400" cy="393502"/>
           </a:xfrm>
           <a:prstGeom prst="rect">
@@ -5392,17 +5249,16 @@
               <a:buNone/>
             </a:pPr>
             <a:r>
-              <a:rPr lang="en-US" sz="1900" dirty="0">
-                <a:solidFill>
-                  <a:srgbClr val="61615C"/>
-                </a:solidFill>
-                <a:latin typeface="Tomorrow" pitchFamily="34" charset="0"/>
+              <a:rPr lang="en-US" sz="1900" b="1" dirty="0">
+                <a:latin typeface="Tenorite Display" panose="00000500000000000000" pitchFamily="2" charset="0"/>
                 <a:ea typeface="Tomorrow" pitchFamily="34" charset="-122"/>
                 <a:cs typeface="Tomorrow" pitchFamily="34" charset="-120"/>
               </a:rPr>
               <a:t>Engagement</a:t>
             </a:r>
-            <a:endParaRPr lang="en-US" sz="1900" dirty="0"/>
+            <a:endParaRPr lang="en-US" sz="1900" b="1" dirty="0">
+              <a:latin typeface="Tenorite Display" panose="00000500000000000000" pitchFamily="2" charset="0"/>
+            </a:endParaRPr>
           </a:p>
         </p:txBody>
       </p:sp>
@@ -5435,16 +5291,15 @@
             </a:pPr>
             <a:r>
               <a:rPr lang="en-US" sz="1900" dirty="0">
-                <a:solidFill>
-                  <a:srgbClr val="61615C"/>
-                </a:solidFill>
-                <a:latin typeface="Tomorrow" pitchFamily="34" charset="0"/>
+                <a:latin typeface="Tenorite Display" panose="00000500000000000000" pitchFamily="2" charset="0"/>
                 <a:ea typeface="Tomorrow" pitchFamily="34" charset="-122"/>
                 <a:cs typeface="Tomorrow" pitchFamily="34" charset="-120"/>
               </a:rPr>
-              <a:t>Interactive simulations, videos</a:t>
-            </a:r>
-            <a:endParaRPr lang="en-US" sz="1900" dirty="0"/>
+              <a:t>simulations, videos</a:t>
+            </a:r>
+            <a:endParaRPr lang="en-US" sz="1900" dirty="0">
+              <a:latin typeface="Tenorite Display" panose="00000500000000000000" pitchFamily="2" charset="0"/>
+            </a:endParaRPr>
           </a:p>
         </p:txBody>
       </p:sp>
@@ -5501,7 +5356,7 @@
               <a:buNone/>
             </a:pPr>
             <a:r>
-              <a:rPr lang="en-US" sz="4400" dirty="0">
+              <a:rPr lang="en-US" sz="4400" b="1" dirty="0">
                 <a:solidFill>
                   <a:srgbClr val="1D1D1B"/>
                 </a:solidFill>
@@ -5511,7 +5366,7 @@
               </a:rPr>
               <a:t>Innovative Features</a:t>
             </a:r>
-            <a:endParaRPr lang="en-US" sz="4400" dirty="0"/>
+            <a:endParaRPr lang="en-US" sz="4400" b="1" dirty="0"/>
           </a:p>
         </p:txBody>
       </p:sp>
@@ -5543,17 +5398,28 @@
               <a:buNone/>
             </a:pPr>
             <a:r>
-              <a:rPr lang="en-US" sz="1750" dirty="0">
+              <a:rPr lang="en-US" sz="2000" dirty="0">
                 <a:solidFill>
-                  <a:srgbClr val="61615C"/>
+                  <a:schemeClr val="tx1">
+                    <a:lumMod val="95000"/>
+                    <a:lumOff val="5000"/>
+                  </a:schemeClr>
                 </a:solidFill>
-                <a:latin typeface="Tomorrow" pitchFamily="34" charset="0"/>
+                <a:latin typeface="Tenorite Display" panose="00000500000000000000" pitchFamily="2" charset="0"/>
                 <a:ea typeface="Tomorrow" pitchFamily="34" charset="-122"/>
                 <a:cs typeface="Tomorrow" pitchFamily="34" charset="-120"/>
               </a:rPr>
               <a:t>Interactive videos and games to make SDGs relatable.</a:t>
             </a:r>
-            <a:endParaRPr lang="en-US" sz="1750" dirty="0"/>
+            <a:endParaRPr lang="en-US" sz="2000" dirty="0">
+              <a:solidFill>
+                <a:schemeClr val="tx1">
+                  <a:lumMod val="95000"/>
+                  <a:lumOff val="5000"/>
+                </a:schemeClr>
+              </a:solidFill>
+              <a:latin typeface="Tenorite Display" panose="00000500000000000000" pitchFamily="2" charset="0"/>
+            </a:endParaRPr>
           </a:p>
         </p:txBody>
       </p:sp>
@@ -5585,17 +5451,28 @@
               <a:buNone/>
             </a:pPr>
             <a:r>
-              <a:rPr lang="en-US" sz="1750" dirty="0">
+              <a:rPr lang="en-US" sz="2000" dirty="0">
                 <a:solidFill>
-                  <a:srgbClr val="61615C"/>
+                  <a:schemeClr val="tx1">
+                    <a:lumMod val="95000"/>
+                    <a:lumOff val="5000"/>
+                  </a:schemeClr>
                 </a:solidFill>
-                <a:latin typeface="Tomorrow" pitchFamily="34" charset="0"/>
+                <a:latin typeface="Tenorite Display" panose="00000500000000000000" pitchFamily="2" charset="0"/>
                 <a:ea typeface="Tomorrow" pitchFamily="34" charset="-122"/>
                 <a:cs typeface="Tomorrow" pitchFamily="34" charset="-120"/>
               </a:rPr>
               <a:t>Data visualization tools for exploring NASA satellite data.</a:t>
             </a:r>
-            <a:endParaRPr lang="en-US" sz="1750" dirty="0"/>
+            <a:endParaRPr lang="en-US" sz="2000" dirty="0">
+              <a:solidFill>
+                <a:schemeClr val="tx1">
+                  <a:lumMod val="95000"/>
+                  <a:lumOff val="5000"/>
+                </a:schemeClr>
+              </a:solidFill>
+              <a:latin typeface="Tenorite Display" panose="00000500000000000000" pitchFamily="2" charset="0"/>
+            </a:endParaRPr>
           </a:p>
         </p:txBody>
       </p:sp>
@@ -5651,17 +5528,28 @@
               <a:buNone/>
             </a:pPr>
             <a:r>
-              <a:rPr lang="en-US" sz="2200" dirty="0">
+              <a:rPr lang="en-US" sz="2800" dirty="0">
                 <a:solidFill>
-                  <a:srgbClr val="61615C"/>
+                  <a:schemeClr val="tx1">
+                    <a:lumMod val="95000"/>
+                    <a:lumOff val="5000"/>
+                  </a:schemeClr>
                 </a:solidFill>
-                <a:latin typeface="Tomorrow Semi Bold" pitchFamily="34" charset="0"/>
+                <a:latin typeface="Tenorite Display" panose="00000500000000000000" pitchFamily="2" charset="0"/>
                 <a:ea typeface="Tomorrow Semi Bold" pitchFamily="34" charset="-122"/>
                 <a:cs typeface="Tomorrow Semi Bold" pitchFamily="34" charset="-120"/>
               </a:rPr>
-              <a:t>Interactive Videos</a:t>
-            </a:r>
-            <a:endParaRPr lang="en-US" sz="2200" dirty="0"/>
+              <a:t>AI Tools</a:t>
+            </a:r>
+            <a:endParaRPr lang="en-US" sz="2800" dirty="0">
+              <a:solidFill>
+                <a:schemeClr val="tx1">
+                  <a:lumMod val="95000"/>
+                  <a:lumOff val="5000"/>
+                </a:schemeClr>
+              </a:solidFill>
+              <a:latin typeface="Tenorite Display" panose="00000500000000000000" pitchFamily="2" charset="0"/>
+            </a:endParaRPr>
           </a:p>
         </p:txBody>
       </p:sp>
@@ -5693,17 +5581,28 @@
               <a:buNone/>
             </a:pPr>
             <a:r>
-              <a:rPr lang="en-US" sz="1750" dirty="0">
+              <a:rPr lang="en-US" sz="2000" dirty="0">
                 <a:solidFill>
-                  <a:srgbClr val="61615C"/>
+                  <a:schemeClr val="tx1">
+                    <a:lumMod val="95000"/>
+                    <a:lumOff val="5000"/>
+                  </a:schemeClr>
                 </a:solidFill>
-                <a:latin typeface="Tomorrow" pitchFamily="34" charset="0"/>
+                <a:latin typeface="Tenorite Display" panose="00000500000000000000" pitchFamily="2" charset="0"/>
                 <a:ea typeface="Tomorrow" pitchFamily="34" charset="-122"/>
                 <a:cs typeface="Tomorrow" pitchFamily="34" charset="-120"/>
               </a:rPr>
               <a:t>Engaging storytelling to bring SDGs to life.</a:t>
             </a:r>
-            <a:endParaRPr lang="en-US" sz="1750" dirty="0"/>
+            <a:endParaRPr lang="en-US" sz="2000" dirty="0">
+              <a:solidFill>
+                <a:schemeClr val="tx1">
+                  <a:lumMod val="95000"/>
+                  <a:lumOff val="5000"/>
+                </a:schemeClr>
+              </a:solidFill>
+              <a:latin typeface="Tenorite Display" panose="00000500000000000000" pitchFamily="2" charset="0"/>
+            </a:endParaRPr>
           </a:p>
         </p:txBody>
       </p:sp>
@@ -5759,17 +5658,28 @@
               <a:buNone/>
             </a:pPr>
             <a:r>
-              <a:rPr lang="en-US" sz="2200" dirty="0">
+              <a:rPr lang="en-US" sz="2800" dirty="0">
                 <a:solidFill>
-                  <a:srgbClr val="61615C"/>
+                  <a:schemeClr val="tx1">
+                    <a:lumMod val="95000"/>
+                    <a:lumOff val="5000"/>
+                  </a:schemeClr>
                 </a:solidFill>
-                <a:latin typeface="Tomorrow Semi Bold" pitchFamily="34" charset="0"/>
+                <a:latin typeface="Tenorite Display" panose="00000500000000000000" pitchFamily="2" charset="0"/>
                 <a:ea typeface="Tomorrow Semi Bold" pitchFamily="34" charset="-122"/>
                 <a:cs typeface="Tomorrow Semi Bold" pitchFamily="34" charset="-120"/>
               </a:rPr>
               <a:t>Interactive Games</a:t>
             </a:r>
-            <a:endParaRPr lang="en-US" sz="2200" dirty="0"/>
+            <a:endParaRPr lang="en-US" sz="2800" dirty="0">
+              <a:solidFill>
+                <a:schemeClr val="tx1">
+                  <a:lumMod val="95000"/>
+                  <a:lumOff val="5000"/>
+                </a:schemeClr>
+              </a:solidFill>
+              <a:latin typeface="Tenorite Display" panose="00000500000000000000" pitchFamily="2" charset="0"/>
+            </a:endParaRPr>
           </a:p>
         </p:txBody>
       </p:sp>
@@ -5801,17 +5711,28 @@
               <a:buNone/>
             </a:pPr>
             <a:r>
-              <a:rPr lang="en-US" sz="1750" dirty="0">
+              <a:rPr lang="en-US" sz="2000" dirty="0">
                 <a:solidFill>
-                  <a:srgbClr val="61615C"/>
+                  <a:schemeClr val="tx1">
+                    <a:lumMod val="95000"/>
+                    <a:lumOff val="5000"/>
+                  </a:schemeClr>
                 </a:solidFill>
-                <a:latin typeface="Tomorrow" pitchFamily="34" charset="0"/>
+                <a:latin typeface="Tenorite Display" panose="00000500000000000000" pitchFamily="2" charset="0"/>
                 <a:ea typeface="Tomorrow" pitchFamily="34" charset="-122"/>
                 <a:cs typeface="Tomorrow" pitchFamily="34" charset="-120"/>
               </a:rPr>
               <a:t>Gamifying learning to make it fun and engaging.</a:t>
             </a:r>
-            <a:endParaRPr lang="en-US" sz="1750" dirty="0"/>
+            <a:endParaRPr lang="en-US" sz="2000" dirty="0">
+              <a:solidFill>
+                <a:schemeClr val="tx1">
+                  <a:lumMod val="95000"/>
+                  <a:lumOff val="5000"/>
+                </a:schemeClr>
+              </a:solidFill>
+              <a:latin typeface="Tenorite Display" panose="00000500000000000000" pitchFamily="2" charset="0"/>
+            </a:endParaRPr>
           </a:p>
         </p:txBody>
       </p:sp>
@@ -5830,7 +5751,7 @@
         <p:spPr>
           <a:xfrm>
             <a:off x="12812751" y="7683190"/>
-            <a:ext cx="1817649" cy="546410"/>
+            <a:ext cx="1817649" cy="461665"/>
           </a:xfrm>
           <a:prstGeom prst="rect">
             <a:avLst/>
@@ -5845,7 +5766,15 @@
           </a:bodyPr>
           <a:lstStyle/>
           <a:p>
-            <a:endParaRPr lang="en-US" dirty="0"/>
+            <a:endParaRPr lang="en-US" sz="2400" dirty="0">
+              <a:solidFill>
+                <a:schemeClr val="tx1">
+                  <a:lumMod val="95000"/>
+                  <a:lumOff val="5000"/>
+                </a:schemeClr>
+              </a:solidFill>
+              <a:latin typeface="Tenorite Display" panose="00000500000000000000" pitchFamily="2" charset="0"/>
+            </a:endParaRPr>
           </a:p>
         </p:txBody>
       </p:sp>
@@ -5906,13 +5835,15 @@
                 <a:solidFill>
                   <a:srgbClr val="1D1D1B"/>
                 </a:solidFill>
-                <a:latin typeface="Tomorrow Semi Bold" pitchFamily="34" charset="0"/>
+                <a:latin typeface="Tomorrow Semi Bold" panose="020B0604020202020204" charset="0"/>
                 <a:ea typeface="Tomorrow Semi Bold" pitchFamily="34" charset="-122"/>
                 <a:cs typeface="Tomorrow Semi Bold" pitchFamily="34" charset="-120"/>
               </a:rPr>
               <a:t>Impact</a:t>
             </a:r>
-            <a:endParaRPr lang="en-US" sz="4050" dirty="0"/>
+            <a:endParaRPr lang="en-US" sz="4050" dirty="0">
+              <a:latin typeface="Tomorrow Semi Bold" panose="020B0604020202020204" charset="0"/>
+            </a:endParaRPr>
           </a:p>
         </p:txBody>
       </p:sp>
@@ -5944,17 +5875,28 @@
               <a:buNone/>
             </a:pPr>
             <a:r>
-              <a:rPr lang="en-US" sz="1600" dirty="0">
+              <a:rPr lang="en-US" sz="2000" dirty="0">
                 <a:solidFill>
-                  <a:srgbClr val="61615C"/>
+                  <a:schemeClr val="tx1">
+                    <a:lumMod val="95000"/>
+                    <a:lumOff val="5000"/>
+                  </a:schemeClr>
                 </a:solidFill>
-                <a:latin typeface="Tomorrow" pitchFamily="34" charset="0"/>
+                <a:latin typeface="Tenorite Display" panose="00000500000000000000" pitchFamily="2" charset="0"/>
                 <a:ea typeface="Tomorrow" pitchFamily="34" charset="-122"/>
                 <a:cs typeface="Tomorrow" pitchFamily="34" charset="-120"/>
               </a:rPr>
               <a:t>Empowering youth with knowledge and skills.</a:t>
             </a:r>
-            <a:endParaRPr lang="en-US" sz="1600" dirty="0"/>
+            <a:endParaRPr lang="en-US" sz="2000" dirty="0">
+              <a:solidFill>
+                <a:schemeClr val="tx1">
+                  <a:lumMod val="95000"/>
+                  <a:lumOff val="5000"/>
+                </a:schemeClr>
+              </a:solidFill>
+              <a:latin typeface="Tenorite Display" panose="00000500000000000000" pitchFamily="2" charset="0"/>
+            </a:endParaRPr>
           </a:p>
         </p:txBody>
       </p:sp>
@@ -5986,17 +5928,28 @@
               <a:buNone/>
             </a:pPr>
             <a:r>
-              <a:rPr lang="en-US" sz="1600" dirty="0">
+              <a:rPr lang="en-US" sz="2000" dirty="0">
                 <a:solidFill>
-                  <a:srgbClr val="61615C"/>
+                  <a:schemeClr val="tx1">
+                    <a:lumMod val="95000"/>
+                    <a:lumOff val="5000"/>
+                  </a:schemeClr>
                 </a:solidFill>
-                <a:latin typeface="Tomorrow" pitchFamily="34" charset="0"/>
+                <a:latin typeface="Tenorite Display" panose="00000500000000000000" pitchFamily="2" charset="0"/>
                 <a:ea typeface="Tomorrow" pitchFamily="34" charset="-122"/>
                 <a:cs typeface="Tomorrow" pitchFamily="34" charset="-120"/>
               </a:rPr>
               <a:t>Sharing lesson plans globally through EO4SDG partners.</a:t>
             </a:r>
-            <a:endParaRPr lang="en-US" sz="1600" dirty="0"/>
+            <a:endParaRPr lang="en-US" sz="2000" dirty="0">
+              <a:solidFill>
+                <a:schemeClr val="tx1">
+                  <a:lumMod val="95000"/>
+                  <a:lumOff val="5000"/>
+                </a:schemeClr>
+              </a:solidFill>
+              <a:latin typeface="Tenorite Display" panose="00000500000000000000" pitchFamily="2" charset="0"/>
+            </a:endParaRPr>
           </a:p>
         </p:txBody>
       </p:sp>
@@ -6052,17 +6005,28 @@
               <a:buNone/>
             </a:pPr>
             <a:r>
-              <a:rPr lang="en-US" sz="2000" dirty="0">
+              <a:rPr lang="en-US" sz="2900" dirty="0">
                 <a:solidFill>
-                  <a:srgbClr val="61615C"/>
+                  <a:schemeClr val="tx1">
+                    <a:lumMod val="95000"/>
+                    <a:lumOff val="5000"/>
+                  </a:schemeClr>
                 </a:solidFill>
-                <a:latin typeface="Tomorrow Semi Bold" pitchFamily="34" charset="0"/>
+                <a:latin typeface="Tenorite Display" panose="00000500000000000000" pitchFamily="2" charset="0"/>
                 <a:ea typeface="Tomorrow Semi Bold" pitchFamily="34" charset="-122"/>
                 <a:cs typeface="Tomorrow Semi Bold" pitchFamily="34" charset="-120"/>
               </a:rPr>
               <a:t>Increased Awareness</a:t>
             </a:r>
-            <a:endParaRPr lang="en-US" sz="2000" dirty="0"/>
+            <a:endParaRPr lang="en-US" sz="2900" dirty="0">
+              <a:solidFill>
+                <a:schemeClr val="tx1">
+                  <a:lumMod val="95000"/>
+                  <a:lumOff val="5000"/>
+                </a:schemeClr>
+              </a:solidFill>
+              <a:latin typeface="Tenorite Display" panose="00000500000000000000" pitchFamily="2" charset="0"/>
+            </a:endParaRPr>
           </a:p>
         </p:txBody>
       </p:sp>
@@ -6094,17 +6058,28 @@
               <a:buNone/>
             </a:pPr>
             <a:r>
-              <a:rPr lang="en-US" sz="1600" dirty="0">
+              <a:rPr lang="en-US" sz="2000" dirty="0">
                 <a:solidFill>
-                  <a:srgbClr val="61615C"/>
+                  <a:schemeClr val="tx1">
+                    <a:lumMod val="95000"/>
+                    <a:lumOff val="5000"/>
+                  </a:schemeClr>
                 </a:solidFill>
-                <a:latin typeface="Tomorrow" pitchFamily="34" charset="0"/>
+                <a:latin typeface="Tenorite Display" panose="00000500000000000000" pitchFamily="2" charset="0"/>
                 <a:ea typeface="Tomorrow" pitchFamily="34" charset="-122"/>
                 <a:cs typeface="Tomorrow" pitchFamily="34" charset="-120"/>
               </a:rPr>
               <a:t>Students understand SDG challenges.</a:t>
             </a:r>
-            <a:endParaRPr lang="en-US" sz="1600" dirty="0"/>
+            <a:endParaRPr lang="en-US" sz="2000" dirty="0">
+              <a:solidFill>
+                <a:schemeClr val="tx1">
+                  <a:lumMod val="95000"/>
+                  <a:lumOff val="5000"/>
+                </a:schemeClr>
+              </a:solidFill>
+              <a:latin typeface="Tenorite Display" panose="00000500000000000000" pitchFamily="2" charset="0"/>
+            </a:endParaRPr>
           </a:p>
         </p:txBody>
       </p:sp>
@@ -6160,17 +6135,28 @@
               <a:buNone/>
             </a:pPr>
             <a:r>
-              <a:rPr lang="en-US" sz="2000" dirty="0">
+              <a:rPr lang="en-US" sz="2900" dirty="0">
                 <a:solidFill>
-                  <a:srgbClr val="61615C"/>
+                  <a:schemeClr val="tx1">
+                    <a:lumMod val="95000"/>
+                    <a:lumOff val="5000"/>
+                  </a:schemeClr>
                 </a:solidFill>
-                <a:latin typeface="Tomorrow Semi Bold" pitchFamily="34" charset="0"/>
+                <a:latin typeface="Tenorite Display" panose="00000500000000000000" pitchFamily="2" charset="0"/>
                 <a:ea typeface="Tomorrow Semi Bold" pitchFamily="34" charset="-122"/>
                 <a:cs typeface="Tomorrow Semi Bold" pitchFamily="34" charset="-120"/>
               </a:rPr>
               <a:t>Empowered Action</a:t>
             </a:r>
-            <a:endParaRPr lang="en-US" sz="2000" dirty="0"/>
+            <a:endParaRPr lang="en-US" sz="2900" dirty="0">
+              <a:solidFill>
+                <a:schemeClr val="tx1">
+                  <a:lumMod val="95000"/>
+                  <a:lumOff val="5000"/>
+                </a:schemeClr>
+              </a:solidFill>
+              <a:latin typeface="Tenorite Display" panose="00000500000000000000" pitchFamily="2" charset="0"/>
+            </a:endParaRPr>
           </a:p>
         </p:txBody>
       </p:sp>
@@ -6202,17 +6188,28 @@
               <a:buNone/>
             </a:pPr>
             <a:r>
-              <a:rPr lang="en-US" sz="1600" dirty="0">
+              <a:rPr lang="en-US" sz="2000" dirty="0">
                 <a:solidFill>
-                  <a:srgbClr val="61615C"/>
+                  <a:schemeClr val="tx1">
+                    <a:lumMod val="95000"/>
+                    <a:lumOff val="5000"/>
+                  </a:schemeClr>
                 </a:solidFill>
-                <a:latin typeface="Tomorrow" pitchFamily="34" charset="0"/>
+                <a:latin typeface="Tenorite Display" panose="00000500000000000000" pitchFamily="2" charset="0"/>
                 <a:ea typeface="Tomorrow" pitchFamily="34" charset="-122"/>
                 <a:cs typeface="Tomorrow" pitchFamily="34" charset="-120"/>
               </a:rPr>
               <a:t>Students develop solutions to address SDGs.</a:t>
             </a:r>
-            <a:endParaRPr lang="en-US" sz="1600" dirty="0"/>
+            <a:endParaRPr lang="en-US" sz="2000" dirty="0">
+              <a:solidFill>
+                <a:schemeClr val="tx1">
+                  <a:lumMod val="95000"/>
+                  <a:lumOff val="5000"/>
+                </a:schemeClr>
+              </a:solidFill>
+              <a:latin typeface="Tenorite Display" panose="00000500000000000000" pitchFamily="2" charset="0"/>
+            </a:endParaRPr>
           </a:p>
         </p:txBody>
       </p:sp>
@@ -6268,17 +6265,28 @@
               <a:buNone/>
             </a:pPr>
             <a:r>
-              <a:rPr lang="en-US" sz="2000" dirty="0">
+              <a:rPr lang="en-US" sz="2900" dirty="0">
                 <a:solidFill>
-                  <a:srgbClr val="61615C"/>
+                  <a:schemeClr val="tx1">
+                    <a:lumMod val="95000"/>
+                    <a:lumOff val="5000"/>
+                  </a:schemeClr>
                 </a:solidFill>
-                <a:latin typeface="Tomorrow Semi Bold" pitchFamily="34" charset="0"/>
+                <a:latin typeface="Tenorite Display" panose="00000500000000000000" pitchFamily="2" charset="0"/>
                 <a:ea typeface="Tomorrow Semi Bold" pitchFamily="34" charset="-122"/>
                 <a:cs typeface="Tomorrow Semi Bold" pitchFamily="34" charset="-120"/>
               </a:rPr>
               <a:t>Global Citizenship</a:t>
             </a:r>
-            <a:endParaRPr lang="en-US" sz="2000" dirty="0"/>
+            <a:endParaRPr lang="en-US" sz="2900" dirty="0">
+              <a:solidFill>
+                <a:schemeClr val="tx1">
+                  <a:lumMod val="95000"/>
+                  <a:lumOff val="5000"/>
+                </a:schemeClr>
+              </a:solidFill>
+              <a:latin typeface="Tenorite Display" panose="00000500000000000000" pitchFamily="2" charset="0"/>
+            </a:endParaRPr>
           </a:p>
         </p:txBody>
       </p:sp>
@@ -6310,17 +6318,28 @@
               <a:buNone/>
             </a:pPr>
             <a:r>
-              <a:rPr lang="en-US" sz="1600" dirty="0">
+              <a:rPr lang="en-US" sz="2000" dirty="0">
                 <a:solidFill>
-                  <a:srgbClr val="61615C"/>
+                  <a:schemeClr val="tx1">
+                    <a:lumMod val="95000"/>
+                    <a:lumOff val="5000"/>
+                  </a:schemeClr>
                 </a:solidFill>
-                <a:latin typeface="Tomorrow" pitchFamily="34" charset="0"/>
+                <a:latin typeface="Tenorite Display" panose="00000500000000000000" pitchFamily="2" charset="0"/>
                 <a:ea typeface="Tomorrow" pitchFamily="34" charset="-122"/>
                 <a:cs typeface="Tomorrow" pitchFamily="34" charset="-120"/>
               </a:rPr>
               <a:t>Students become active citizens in tackling global issues.</a:t>
             </a:r>
-            <a:endParaRPr lang="en-US" sz="1600" dirty="0"/>
+            <a:endParaRPr lang="en-US" sz="2000" dirty="0">
+              <a:solidFill>
+                <a:schemeClr val="tx1">
+                  <a:lumMod val="95000"/>
+                  <a:lumOff val="5000"/>
+                </a:schemeClr>
+              </a:solidFill>
+              <a:latin typeface="Tenorite Display" panose="00000500000000000000" pitchFamily="2" charset="0"/>
+            </a:endParaRPr>
           </a:p>
         </p:txBody>
       </p:sp>
@@ -6339,7 +6358,7 @@
         <p:spPr>
           <a:xfrm>
             <a:off x="12812751" y="7683190"/>
-            <a:ext cx="1817649" cy="546410"/>
+            <a:ext cx="1817649" cy="369332"/>
           </a:xfrm>
           <a:prstGeom prst="rect">
             <a:avLst/>
@@ -6354,7 +6373,9 @@
           </a:bodyPr>
           <a:lstStyle/>
           <a:p>
-            <a:endParaRPr lang="en-US" dirty="0"/>
+            <a:endParaRPr lang="en-US" dirty="0">
+              <a:latin typeface="Tenorite Display" panose="00000500000000000000" pitchFamily="2" charset="0"/>
+            </a:endParaRPr>
           </a:p>
         </p:txBody>
       </p:sp>
@@ -6435,7 +6456,7 @@
               <a:buNone/>
             </a:pPr>
             <a:r>
-              <a:rPr lang="en-US" sz="3700" dirty="0">
+              <a:rPr lang="en-US" sz="4400" b="1" dirty="0">
                 <a:solidFill>
                   <a:srgbClr val="1D1D1B"/>
                 </a:solidFill>
@@ -6445,7 +6466,7 @@
               </a:rPr>
               <a:t>Call to Action</a:t>
             </a:r>
-            <a:endParaRPr lang="en-US" sz="3700" dirty="0"/>
+            <a:endParaRPr lang="en-US" sz="4400" b="1" dirty="0"/>
           </a:p>
         </p:txBody>
       </p:sp>
@@ -6477,17 +6498,19 @@
               <a:buNone/>
             </a:pPr>
             <a:r>
-              <a:rPr lang="en-US" sz="1450" dirty="0">
+              <a:rPr lang="en-US" dirty="0">
                 <a:solidFill>
                   <a:srgbClr val="61615C"/>
                 </a:solidFill>
-                <a:latin typeface="Tomorrow" pitchFamily="34" charset="0"/>
+                <a:latin typeface="Tenorite Display" panose="00000500000000000000" pitchFamily="2" charset="0"/>
                 <a:ea typeface="Tomorrow" pitchFamily="34" charset="-122"/>
                 <a:cs typeface="Tomorrow" pitchFamily="34" charset="-120"/>
               </a:rPr>
               <a:t>Join our mission, share our lesson plans.</a:t>
             </a:r>
-            <a:endParaRPr lang="en-US" sz="1450" dirty="0"/>
+            <a:endParaRPr lang="en-US" dirty="0">
+              <a:latin typeface="Tenorite Display" panose="00000500000000000000" pitchFamily="2" charset="0"/>
+            </a:endParaRPr>
           </a:p>
         </p:txBody>
       </p:sp>
@@ -6519,17 +6542,19 @@
               <a:buNone/>
             </a:pPr>
             <a:r>
-              <a:rPr lang="en-US" sz="1450" dirty="0">
+              <a:rPr lang="en-US" dirty="0">
                 <a:solidFill>
                   <a:srgbClr val="61615C"/>
                 </a:solidFill>
-                <a:latin typeface="Tomorrow" pitchFamily="34" charset="0"/>
+                <a:latin typeface="Tenorite Display" panose="00000500000000000000" pitchFamily="2" charset="0"/>
                 <a:ea typeface="Tomorrow" pitchFamily="34" charset="-122"/>
                 <a:cs typeface="Tomorrow" pitchFamily="34" charset="-120"/>
               </a:rPr>
               <a:t>Collaborate to spread SDG awareness in classrooms.</a:t>
             </a:r>
-            <a:endParaRPr lang="en-US" sz="1450" dirty="0"/>
+            <a:endParaRPr lang="en-US" dirty="0">
+              <a:latin typeface="Tenorite Display" panose="00000500000000000000" pitchFamily="2" charset="0"/>
+            </a:endParaRPr>
           </a:p>
         </p:txBody>
       </p:sp>
@@ -6585,17 +6610,19 @@
               <a:buNone/>
             </a:pPr>
             <a:r>
-              <a:rPr lang="en-US" sz="1850" dirty="0">
+              <a:rPr lang="en-US" sz="2400" b="1" dirty="0">
                 <a:solidFill>
                   <a:srgbClr val="61615C"/>
                 </a:solidFill>
-                <a:latin typeface="Tomorrow Semi Bold" pitchFamily="34" charset="0"/>
+                <a:latin typeface="Tenorite Display" panose="00000500000000000000" pitchFamily="2" charset="0"/>
                 <a:ea typeface="Tomorrow Semi Bold" pitchFamily="34" charset="-122"/>
                 <a:cs typeface="Tomorrow Semi Bold" pitchFamily="34" charset="-120"/>
               </a:rPr>
               <a:t>Follow Us</a:t>
             </a:r>
-            <a:endParaRPr lang="en-US" sz="1850" dirty="0"/>
+            <a:endParaRPr lang="en-US" sz="2400" b="1" dirty="0">
+              <a:latin typeface="Tenorite Display" panose="00000500000000000000" pitchFamily="2" charset="0"/>
+            </a:endParaRPr>
           </a:p>
         </p:txBody>
       </p:sp>
@@ -6627,17 +6654,19 @@
               <a:buNone/>
             </a:pPr>
             <a:r>
-              <a:rPr lang="en-US" sz="1450" dirty="0">
+              <a:rPr lang="en-US" dirty="0">
                 <a:solidFill>
                   <a:srgbClr val="61615C"/>
                 </a:solidFill>
-                <a:latin typeface="Tomorrow" pitchFamily="34" charset="0"/>
+                <a:latin typeface="Tenorite Display" panose="00000500000000000000" pitchFamily="2" charset="0"/>
                 <a:ea typeface="Tomorrow" pitchFamily="34" charset="-122"/>
                 <a:cs typeface="Tomorrow" pitchFamily="34" charset="-120"/>
               </a:rPr>
-              <a:t>Space Apps Connect, social media, and webinars.</a:t>
-            </a:r>
-            <a:endParaRPr lang="en-US" sz="1450" dirty="0"/>
+              <a:t>https://github.com/khalidKE/NASA_Space</a:t>
+            </a:r>
+            <a:endParaRPr lang="en-US" dirty="0">
+              <a:latin typeface="Tenorite Display" panose="00000500000000000000" pitchFamily="2" charset="0"/>
+            </a:endParaRPr>
           </a:p>
         </p:txBody>
       </p:sp>
@@ -6693,17 +6722,19 @@
               <a:buNone/>
             </a:pPr>
             <a:r>
-              <a:rPr lang="en-US" sz="1850" dirty="0">
+              <a:rPr lang="en-US" sz="2400" b="1" dirty="0">
                 <a:solidFill>
                   <a:srgbClr val="61615C"/>
                 </a:solidFill>
-                <a:latin typeface="Tomorrow Semi Bold" pitchFamily="34" charset="0"/>
+                <a:latin typeface="Tenorite Display" panose="00000500000000000000" pitchFamily="2" charset="0"/>
                 <a:ea typeface="Tomorrow Semi Bold" pitchFamily="34" charset="-122"/>
                 <a:cs typeface="Tomorrow Semi Bold" pitchFamily="34" charset="-120"/>
               </a:rPr>
               <a:t>Spread the Word</a:t>
             </a:r>
-            <a:endParaRPr lang="en-US" sz="1850" dirty="0"/>
+            <a:endParaRPr lang="en-US" sz="2400" b="1" dirty="0">
+              <a:latin typeface="Tenorite Display" panose="00000500000000000000" pitchFamily="2" charset="0"/>
+            </a:endParaRPr>
           </a:p>
         </p:txBody>
       </p:sp>
@@ -6735,17 +6766,19 @@
               <a:buNone/>
             </a:pPr>
             <a:r>
-              <a:rPr lang="en-US" sz="1450" dirty="0">
+              <a:rPr lang="en-US" dirty="0">
                 <a:solidFill>
                   <a:srgbClr val="61615C"/>
                 </a:solidFill>
-                <a:latin typeface="Tomorrow" pitchFamily="34" charset="0"/>
+                <a:latin typeface="Tenorite Display" panose="00000500000000000000" pitchFamily="2" charset="0"/>
                 <a:ea typeface="Tomorrow" pitchFamily="34" charset="-122"/>
                 <a:cs typeface="Tomorrow" pitchFamily="34" charset="-120"/>
               </a:rPr>
               <a:t>Share our lesson plans with educators.</a:t>
             </a:r>
-            <a:endParaRPr lang="en-US" sz="1450" dirty="0"/>
+            <a:endParaRPr lang="en-US" dirty="0">
+              <a:latin typeface="Tenorite Display" panose="00000500000000000000" pitchFamily="2" charset="0"/>
+            </a:endParaRPr>
           </a:p>
         </p:txBody>
       </p:sp>
@@ -6801,17 +6834,19 @@
               <a:buNone/>
             </a:pPr>
             <a:r>
-              <a:rPr lang="en-US" sz="1850" dirty="0">
+              <a:rPr lang="en-US" sz="2400" b="1" dirty="0">
                 <a:solidFill>
                   <a:srgbClr val="61615C"/>
                 </a:solidFill>
-                <a:latin typeface="Tomorrow Semi Bold" pitchFamily="34" charset="0"/>
+                <a:latin typeface="Tenorite Display" panose="00000500000000000000" pitchFamily="2" charset="0"/>
                 <a:ea typeface="Tomorrow Semi Bold" pitchFamily="34" charset="-122"/>
                 <a:cs typeface="Tomorrow Semi Bold" pitchFamily="34" charset="-120"/>
               </a:rPr>
               <a:t>Get Involved</a:t>
             </a:r>
-            <a:endParaRPr lang="en-US" sz="1850" dirty="0"/>
+            <a:endParaRPr lang="en-US" sz="2400" b="1" dirty="0">
+              <a:latin typeface="Tenorite Display" panose="00000500000000000000" pitchFamily="2" charset="0"/>
+            </a:endParaRPr>
           </a:p>
         </p:txBody>
       </p:sp>
@@ -6843,17 +6878,19 @@
               <a:buNone/>
             </a:pPr>
             <a:r>
-              <a:rPr lang="en-US" sz="1450" dirty="0">
+              <a:rPr lang="en-US" dirty="0">
                 <a:solidFill>
                   <a:srgbClr val="61615C"/>
                 </a:solidFill>
-                <a:latin typeface="Tomorrow" pitchFamily="34" charset="0"/>
+                <a:latin typeface="Tenorite Display" panose="00000500000000000000" pitchFamily="2" charset="0"/>
                 <a:ea typeface="Tomorrow" pitchFamily="34" charset="-122"/>
                 <a:cs typeface="Tomorrow" pitchFamily="34" charset="-120"/>
               </a:rPr>
               <a:t>Join our community and collaborate.</a:t>
             </a:r>
-            <a:endParaRPr lang="en-US" sz="1450" dirty="0"/>
+            <a:endParaRPr lang="en-US" dirty="0">
+              <a:latin typeface="Tenorite Display" panose="00000500000000000000" pitchFamily="2" charset="0"/>
+            </a:endParaRPr>
           </a:p>
         </p:txBody>
       </p:sp>
@@ -6872,7 +6909,7 @@
         <p:spPr>
           <a:xfrm>
             <a:off x="12812751" y="7683190"/>
-            <a:ext cx="1817649" cy="546410"/>
+            <a:ext cx="1817649" cy="461665"/>
           </a:xfrm>
           <a:prstGeom prst="rect">
             <a:avLst/>
@@ -6887,112 +6924,13 @@
           </a:bodyPr>
           <a:lstStyle/>
           <a:p>
-            <a:endParaRPr lang="en-US" dirty="0"/>
+            <a:endParaRPr lang="en-US" sz="2400" dirty="0">
+              <a:latin typeface="Tenorite Display" panose="00000500000000000000" pitchFamily="2" charset="0"/>
+            </a:endParaRPr>
           </a:p>
         </p:txBody>
       </p:sp>
     </p:spTree>
-  </p:cSld>
-  <p:clrMapOvr>
-    <a:masterClrMapping/>
-  </p:clrMapOvr>
-</p:sld>
-</file>
-
-<file path=ppt/slides/slide8.xml><?xml version="1.0" encoding="utf-8"?>
-<p:sld xmlns:a="http://schemas.openxmlformats.org/drawingml/2006/main" xmlns:r="http://schemas.openxmlformats.org/officeDocument/2006/relationships" xmlns:p="http://schemas.openxmlformats.org/presentationml/2006/main">
-  <p:cSld>
-    <p:spTree>
-      <p:nvGrpSpPr>
-        <p:cNvPr id="1" name=""/>
-        <p:cNvGrpSpPr/>
-        <p:nvPr/>
-      </p:nvGrpSpPr>
-      <p:grpSpPr>
-        <a:xfrm>
-          <a:off x="0" y="0"/>
-          <a:ext cx="0" cy="0"/>
-          <a:chOff x="0" y="0"/>
-          <a:chExt cx="0" cy="0"/>
-        </a:xfrm>
-      </p:grpSpPr>
-      <p:sp>
-        <p:nvSpPr>
-          <p:cNvPr id="19" name="TextBox 18">
-            <a:extLst>
-              <a:ext uri="{FF2B5EF4-FFF2-40B4-BE49-F238E27FC236}">
-                <a16:creationId xmlns:a16="http://schemas.microsoft.com/office/drawing/2014/main" id="{E4FEED91-3B74-4C9B-1EB4-23E59D68BCC6}"/>
-              </a:ext>
-            </a:extLst>
-          </p:cNvPr>
-          <p:cNvSpPr txBox="1"/>
-          <p:nvPr/>
-        </p:nvSpPr>
-        <p:spPr>
-          <a:xfrm>
-            <a:off x="0" y="3403574"/>
-            <a:ext cx="14719610" cy="1422451"/>
-          </a:xfrm>
-          <a:prstGeom prst="rect">
-            <a:avLst/>
-          </a:prstGeom>
-          <a:solidFill>
-            <a:schemeClr val="accent1">
-              <a:lumMod val="50000"/>
-            </a:schemeClr>
-          </a:solidFill>
-        </p:spPr>
-        <p:txBody>
-          <a:bodyPr wrap="square">
-            <a:spAutoFit/>
-          </a:bodyPr>
-          <a:lstStyle/>
-          <a:p>
-            <a:endParaRPr lang="en-US" dirty="0"/>
-          </a:p>
-        </p:txBody>
-      </p:sp>
-      <p:sp>
-        <p:nvSpPr>
-          <p:cNvPr id="17" name="TextBox 16">
-            <a:extLst>
-              <a:ext uri="{FF2B5EF4-FFF2-40B4-BE49-F238E27FC236}">
-                <a16:creationId xmlns:a16="http://schemas.microsoft.com/office/drawing/2014/main" id="{6C62E3F3-2197-D084-63D8-06BD6AA9939F}"/>
-              </a:ext>
-            </a:extLst>
-          </p:cNvPr>
-          <p:cNvSpPr txBox="1"/>
-          <p:nvPr/>
-        </p:nvSpPr>
-        <p:spPr>
-          <a:xfrm>
-            <a:off x="5029200" y="3541185"/>
-            <a:ext cx="5140712" cy="923330"/>
-          </a:xfrm>
-          <a:prstGeom prst="rect">
-            <a:avLst/>
-          </a:prstGeom>
-          <a:noFill/>
-        </p:spPr>
-        <p:txBody>
-          <a:bodyPr wrap="square">
-            <a:spAutoFit/>
-          </a:bodyPr>
-          <a:lstStyle/>
-          <a:p>
-            <a:r>
-              <a:rPr lang="en-US" sz="5400" dirty="0"/>
-              <a:t>Any question?</a:t>
-            </a:r>
-          </a:p>
-        </p:txBody>
-      </p:sp>
-    </p:spTree>
-    <p:extLst>
-      <p:ext uri="{BB962C8B-B14F-4D97-AF65-F5344CB8AC3E}">
-        <p14:creationId xmlns:p14="http://schemas.microsoft.com/office/powerpoint/2010/main" val="2169306533"/>
-      </p:ext>
-    </p:extLst>
   </p:cSld>
   <p:clrMapOvr>
     <a:masterClrMapping/>
